--- a/ProductVerantwoordingsPresentatie_Julian_Thomas.pptx
+++ b/ProductVerantwoordingsPresentatie_Julian_Thomas.pptx
@@ -8,28 +8,28 @@
     <p:notesMasterId r:id="rId27"/>
   </p:notesMasterIdLst>
   <p:sldIdLst>
-    <p:sldId id="266" r:id="rId5"/>
-    <p:sldId id="256" r:id="rId6"/>
-    <p:sldId id="257" r:id="rId7"/>
-    <p:sldId id="259" r:id="rId8"/>
-    <p:sldId id="258" r:id="rId9"/>
-    <p:sldId id="260" r:id="rId10"/>
-    <p:sldId id="261" r:id="rId11"/>
-    <p:sldId id="263" r:id="rId12"/>
-    <p:sldId id="262" r:id="rId13"/>
-    <p:sldId id="264" r:id="rId14"/>
-    <p:sldId id="265" r:id="rId15"/>
-    <p:sldId id="267" r:id="rId16"/>
-    <p:sldId id="268" r:id="rId17"/>
-    <p:sldId id="269" r:id="rId18"/>
-    <p:sldId id="275" r:id="rId19"/>
-    <p:sldId id="278" r:id="rId20"/>
-    <p:sldId id="274" r:id="rId21"/>
-    <p:sldId id="276" r:id="rId22"/>
-    <p:sldId id="270" r:id="rId23"/>
-    <p:sldId id="271" r:id="rId24"/>
-    <p:sldId id="277" r:id="rId25"/>
-    <p:sldId id="273" r:id="rId26"/>
+    <p:sldId id="256" r:id="rId5"/>
+    <p:sldId id="257" r:id="rId6"/>
+    <p:sldId id="259" r:id="rId7"/>
+    <p:sldId id="258" r:id="rId8"/>
+    <p:sldId id="260" r:id="rId9"/>
+    <p:sldId id="261" r:id="rId10"/>
+    <p:sldId id="263" r:id="rId11"/>
+    <p:sldId id="262" r:id="rId12"/>
+    <p:sldId id="264" r:id="rId13"/>
+    <p:sldId id="265" r:id="rId14"/>
+    <p:sldId id="267" r:id="rId15"/>
+    <p:sldId id="268" r:id="rId16"/>
+    <p:sldId id="269" r:id="rId17"/>
+    <p:sldId id="275" r:id="rId18"/>
+    <p:sldId id="278" r:id="rId19"/>
+    <p:sldId id="274" r:id="rId20"/>
+    <p:sldId id="276" r:id="rId21"/>
+    <p:sldId id="270" r:id="rId22"/>
+    <p:sldId id="271" r:id="rId23"/>
+    <p:sldId id="277" r:id="rId24"/>
+    <p:sldId id="273" r:id="rId25"/>
+    <p:sldId id="279" r:id="rId26"/>
   </p:sldIdLst>
   <p:sldSz cx="12192000" cy="6858000"/>
   <p:notesSz cx="6858000" cy="9144000"/>
@@ -140,7 +140,8 @@
 <p1510:revInfo xmlns:a="http://schemas.openxmlformats.org/drawingml/2006/main" xmlns:r="http://schemas.openxmlformats.org/officeDocument/2006/relationships" xmlns:p1510="http://schemas.microsoft.com/office/powerpoint/2015/10/main">
   <p1510:revLst>
     <p1510:client id="{16115328-3640-9D44-9CC2-8CB31B42DBF5}" v="805" dt="2020-04-03T10:30:35.162"/>
-    <p1510:client id="{2EB8EF3A-64B5-44B0-9976-3B0319F47C0E}" v="593" dt="2020-04-03T10:32:26.535"/>
+    <p1510:client id="{2EB8EF3A-64B5-44B0-9976-3B0319F47C0E}" v="592" dt="2020-04-03T10:31:05.207"/>
+    <p1510:client id="{AF7C0114-81B1-9052-EC4C-49E750C0D0A6}" v="186" dt="2020-04-03T11:19:22.968"/>
   </p1510:revLst>
 </p1510:revInfo>
 </file>
@@ -1661,7 +1662,7 @@
         <a:lstStyle/>
         <a:p>
           <a:r>
-            <a:rPr lang="nl-NL" dirty="0"/>
+            <a:rPr lang="nl-NL"/>
             <a:t>Monolithisch</a:t>
           </a:r>
         </a:p>
@@ -1697,7 +1698,7 @@
         <a:lstStyle/>
         <a:p>
           <a:r>
-            <a:rPr lang="nl-NL" dirty="0"/>
+            <a:rPr lang="nl-NL"/>
             <a:t>Product</a:t>
           </a:r>
         </a:p>
@@ -1733,7 +1734,7 @@
         <a:lstStyle/>
         <a:p>
           <a:r>
-            <a:rPr lang="nl-NL" dirty="0"/>
+            <a:rPr lang="nl-NL"/>
             <a:t>Gebruiker</a:t>
           </a:r>
         </a:p>
@@ -1769,7 +1770,7 @@
         <a:lstStyle/>
         <a:p>
           <a:r>
-            <a:rPr lang="nl-NL" dirty="0"/>
+            <a:rPr lang="nl-NL"/>
             <a:t>Reviews</a:t>
           </a:r>
         </a:p>
@@ -1914,7 +1915,7 @@
         <a:lstStyle/>
         <a:p>
           <a:r>
-            <a:rPr lang="nl-NL" dirty="0"/>
+            <a:rPr lang="nl-NL"/>
             <a:t>Performance efficiency</a:t>
           </a:r>
         </a:p>
@@ -1950,21 +1951,21 @@
         <a:lstStyle/>
         <a:p>
           <a:r>
-            <a:rPr lang="nl-NL" b="1" dirty="0"/>
+            <a:rPr lang="nl-NL" b="1"/>
             <a:t>Time </a:t>
           </a:r>
           <a:r>
-            <a:rPr lang="nl-NL" b="1" dirty="0" err="1"/>
+            <a:rPr lang="nl-NL" b="1" err="1"/>
             <a:t>behaviour</a:t>
           </a:r>
           <a:br>
-            <a:rPr lang="nl-NL" dirty="0"/>
+            <a:rPr lang="nl-NL"/>
           </a:br>
-          <a:endParaRPr lang="nl-NL" dirty="0"/>
+          <a:endParaRPr lang="nl-NL"/>
         </a:p>
         <a:p>
           <a:r>
-            <a:rPr lang="nl-NL" dirty="0"/>
+            <a:rPr lang="nl-NL"/>
             <a:t>(Responsetijden)</a:t>
           </a:r>
         </a:p>
@@ -2000,10 +2001,10 @@
         <a:lstStyle/>
         <a:p>
           <a:r>
-            <a:rPr lang="nl-NL" dirty="0" err="1"/>
+            <a:rPr lang="nl-NL" err="1"/>
             <a:t>Usability</a:t>
           </a:r>
-          <a:endParaRPr lang="nl-NL" dirty="0"/>
+          <a:endParaRPr lang="nl-NL"/>
         </a:p>
       </dgm:t>
     </dgm:pt>
@@ -2037,17 +2038,17 @@
         <a:lstStyle/>
         <a:p>
           <a:r>
-            <a:rPr lang="nl-NL" b="1" dirty="0" err="1"/>
+            <a:rPr lang="nl-NL" b="1" err="1"/>
             <a:t>Operability</a:t>
           </a:r>
           <a:br>
-            <a:rPr lang="nl-NL" dirty="0"/>
+            <a:rPr lang="nl-NL"/>
           </a:br>
-          <a:endParaRPr lang="nl-NL" dirty="0"/>
+          <a:endParaRPr lang="nl-NL"/>
         </a:p>
         <a:p>
           <a:r>
-            <a:rPr lang="nl-NL" dirty="0"/>
+            <a:rPr lang="nl-NL"/>
             <a:t>(Cognitieve complexiteit)</a:t>
           </a:r>
         </a:p>
@@ -2083,10 +2084,10 @@
         <a:lstStyle/>
         <a:p>
           <a:r>
-            <a:rPr lang="nl-NL" dirty="0" err="1"/>
+            <a:rPr lang="nl-NL" err="1"/>
             <a:t>Maintainability</a:t>
           </a:r>
-          <a:endParaRPr lang="nl-NL" dirty="0"/>
+          <a:endParaRPr lang="nl-NL"/>
         </a:p>
       </dgm:t>
     </dgm:pt>
@@ -2120,17 +2121,17 @@
         <a:lstStyle/>
         <a:p>
           <a:r>
-            <a:rPr lang="nl-NL" b="1" dirty="0" err="1"/>
+            <a:rPr lang="nl-NL" b="1" err="1"/>
             <a:t>Reusability</a:t>
           </a:r>
           <a:br>
-            <a:rPr lang="nl-NL" dirty="0"/>
+            <a:rPr lang="nl-NL"/>
           </a:br>
           <a:br>
-            <a:rPr lang="nl-NL" dirty="0"/>
+            <a:rPr lang="nl-NL"/>
           </a:br>
           <a:r>
-            <a:rPr lang="nl-NL" dirty="0"/>
+            <a:rPr lang="nl-NL"/>
             <a:t>(Groottes)</a:t>
           </a:r>
         </a:p>
@@ -2166,25 +2167,25 @@
         <a:lstStyle/>
         <a:p>
           <a:r>
-            <a:rPr lang="nl-NL" b="1" dirty="0" err="1"/>
+            <a:rPr lang="nl-NL" b="1" err="1"/>
             <a:t>Testability</a:t>
           </a:r>
           <a:br>
-            <a:rPr lang="nl-NL" dirty="0"/>
+            <a:rPr lang="nl-NL"/>
           </a:br>
-          <a:endParaRPr lang="nl-NL" dirty="0"/>
+          <a:endParaRPr lang="nl-NL"/>
         </a:p>
         <a:p>
           <a:r>
-            <a:rPr lang="nl-NL" dirty="0"/>
+            <a:rPr lang="nl-NL"/>
             <a:t>(</a:t>
           </a:r>
           <a:r>
-            <a:rPr lang="nl-NL" dirty="0" err="1"/>
+            <a:rPr lang="nl-NL" err="1"/>
             <a:t>Cyclomatische</a:t>
           </a:r>
           <a:r>
-            <a:rPr lang="nl-NL" dirty="0"/>
+            <a:rPr lang="nl-NL"/>
             <a:t> complexiteit)</a:t>
           </a:r>
         </a:p>
@@ -2447,7 +2448,7 @@
             <a:buNone/>
           </a:pPr>
           <a:r>
-            <a:rPr lang="nl-NL" sz="3400" kern="1200" dirty="0"/>
+            <a:rPr lang="nl-NL" sz="3400" kern="1200"/>
             <a:t>Monolithisch</a:t>
           </a:r>
         </a:p>
@@ -2526,7 +2527,7 @@
             <a:buNone/>
           </a:pPr>
           <a:r>
-            <a:rPr lang="nl-NL" sz="3300" kern="1200" dirty="0"/>
+            <a:rPr lang="nl-NL" sz="3300" kern="1200"/>
             <a:t>Product</a:t>
           </a:r>
         </a:p>
@@ -2605,7 +2606,7 @@
             <a:buNone/>
           </a:pPr>
           <a:r>
-            <a:rPr lang="nl-NL" sz="3300" kern="1200" dirty="0"/>
+            <a:rPr lang="nl-NL" sz="3300" kern="1200"/>
             <a:t>Gebruiker</a:t>
           </a:r>
         </a:p>
@@ -2684,7 +2685,7 @@
             <a:buNone/>
           </a:pPr>
           <a:r>
-            <a:rPr lang="nl-NL" sz="3300" kern="1200" dirty="0"/>
+            <a:rPr lang="nl-NL" sz="3300" kern="1200"/>
             <a:t>Reviews</a:t>
           </a:r>
         </a:p>
@@ -2766,7 +2767,7 @@
             <a:buNone/>
           </a:pPr>
           <a:r>
-            <a:rPr lang="nl-NL" sz="2700" kern="1200" dirty="0"/>
+            <a:rPr lang="nl-NL" sz="2700" kern="1200"/>
             <a:t>Performance efficiency</a:t>
           </a:r>
         </a:p>
@@ -2845,17 +2846,17 @@
             <a:buNone/>
           </a:pPr>
           <a:r>
-            <a:rPr lang="nl-NL" sz="1400" b="1" kern="1200" dirty="0"/>
+            <a:rPr lang="nl-NL" sz="1400" b="1" kern="1200"/>
             <a:t>Time </a:t>
           </a:r>
           <a:r>
-            <a:rPr lang="nl-NL" sz="1400" b="1" kern="1200" dirty="0" err="1"/>
+            <a:rPr lang="nl-NL" sz="1400" b="1" kern="1200" err="1"/>
             <a:t>behaviour</a:t>
           </a:r>
           <a:br>
-            <a:rPr lang="nl-NL" sz="1400" kern="1200" dirty="0"/>
+            <a:rPr lang="nl-NL" sz="1400" kern="1200"/>
           </a:br>
-          <a:endParaRPr lang="nl-NL" sz="1400" kern="1200" dirty="0"/>
+          <a:endParaRPr lang="nl-NL" sz="1400" kern="1200"/>
         </a:p>
         <a:p>
           <a:pPr marL="0" lvl="0" indent="0" algn="ctr" defTabSz="622300">
@@ -2871,7 +2872,7 @@
             <a:buNone/>
           </a:pPr>
           <a:r>
-            <a:rPr lang="nl-NL" sz="1400" kern="1200" dirty="0"/>
+            <a:rPr lang="nl-NL" sz="1400" kern="1200"/>
             <a:t>(Responsetijden)</a:t>
           </a:r>
         </a:p>
@@ -2941,10 +2942,10 @@
             <a:buNone/>
           </a:pPr>
           <a:r>
-            <a:rPr lang="nl-NL" sz="2700" kern="1200" dirty="0" err="1"/>
+            <a:rPr lang="nl-NL" sz="2700" kern="1200" err="1"/>
             <a:t>Usability</a:t>
           </a:r>
-          <a:endParaRPr lang="nl-NL" sz="2700" kern="1200" dirty="0"/>
+          <a:endParaRPr lang="nl-NL" sz="2700" kern="1200"/>
         </a:p>
       </dsp:txBody>
       <dsp:txXfrm>
@@ -3021,13 +3022,13 @@
             <a:buNone/>
           </a:pPr>
           <a:r>
-            <a:rPr lang="nl-NL" sz="1400" b="1" kern="1200" dirty="0" err="1"/>
+            <a:rPr lang="nl-NL" sz="1400" b="1" kern="1200" err="1"/>
             <a:t>Operability</a:t>
           </a:r>
           <a:br>
-            <a:rPr lang="nl-NL" sz="1400" kern="1200" dirty="0"/>
+            <a:rPr lang="nl-NL" sz="1400" kern="1200"/>
           </a:br>
-          <a:endParaRPr lang="nl-NL" sz="1400" kern="1200" dirty="0"/>
+          <a:endParaRPr lang="nl-NL" sz="1400" kern="1200"/>
         </a:p>
         <a:p>
           <a:pPr marL="0" lvl="0" indent="0" algn="ctr" defTabSz="622300">
@@ -3043,7 +3044,7 @@
             <a:buNone/>
           </a:pPr>
           <a:r>
-            <a:rPr lang="nl-NL" sz="1400" kern="1200" dirty="0"/>
+            <a:rPr lang="nl-NL" sz="1400" kern="1200"/>
             <a:t>(Cognitieve complexiteit)</a:t>
           </a:r>
         </a:p>
@@ -3113,10 +3114,10 @@
             <a:buNone/>
           </a:pPr>
           <a:r>
-            <a:rPr lang="nl-NL" sz="2700" kern="1200" dirty="0" err="1"/>
+            <a:rPr lang="nl-NL" sz="2700" kern="1200" err="1"/>
             <a:t>Maintainability</a:t>
           </a:r>
-          <a:endParaRPr lang="nl-NL" sz="2700" kern="1200" dirty="0"/>
+          <a:endParaRPr lang="nl-NL" sz="2700" kern="1200"/>
         </a:p>
       </dsp:txBody>
       <dsp:txXfrm>
@@ -3193,17 +3194,17 @@
             <a:buNone/>
           </a:pPr>
           <a:r>
-            <a:rPr lang="nl-NL" sz="1400" b="1" kern="1200" dirty="0" err="1"/>
+            <a:rPr lang="nl-NL" sz="1400" b="1" kern="1200" err="1"/>
             <a:t>Reusability</a:t>
           </a:r>
           <a:br>
-            <a:rPr lang="nl-NL" sz="1400" kern="1200" dirty="0"/>
+            <a:rPr lang="nl-NL" sz="1400" kern="1200"/>
           </a:br>
           <a:br>
-            <a:rPr lang="nl-NL" sz="1400" kern="1200" dirty="0"/>
+            <a:rPr lang="nl-NL" sz="1400" kern="1200"/>
           </a:br>
           <a:r>
-            <a:rPr lang="nl-NL" sz="1400" kern="1200" dirty="0"/>
+            <a:rPr lang="nl-NL" sz="1400" kern="1200"/>
             <a:t>(Groottes)</a:t>
           </a:r>
         </a:p>
@@ -3282,13 +3283,13 @@
             <a:buNone/>
           </a:pPr>
           <a:r>
-            <a:rPr lang="nl-NL" sz="1400" b="1" kern="1200" dirty="0" err="1"/>
+            <a:rPr lang="nl-NL" sz="1400" b="1" kern="1200" err="1"/>
             <a:t>Testability</a:t>
           </a:r>
           <a:br>
-            <a:rPr lang="nl-NL" sz="1400" kern="1200" dirty="0"/>
+            <a:rPr lang="nl-NL" sz="1400" kern="1200"/>
           </a:br>
-          <a:endParaRPr lang="nl-NL" sz="1400" kern="1200" dirty="0"/>
+          <a:endParaRPr lang="nl-NL" sz="1400" kern="1200"/>
         </a:p>
         <a:p>
           <a:pPr marL="0" lvl="0" indent="0" algn="ctr" defTabSz="622300">
@@ -3304,15 +3305,15 @@
             <a:buNone/>
           </a:pPr>
           <a:r>
-            <a:rPr lang="nl-NL" sz="1400" kern="1200" dirty="0"/>
+            <a:rPr lang="nl-NL" sz="1400" kern="1200"/>
             <a:t>(</a:t>
           </a:r>
           <a:r>
-            <a:rPr lang="nl-NL" sz="1400" kern="1200" dirty="0" err="1"/>
+            <a:rPr lang="nl-NL" sz="1400" kern="1200" err="1"/>
             <a:t>Cyclomatische</a:t>
           </a:r>
           <a:r>
-            <a:rPr lang="nl-NL" sz="1400" kern="1200" dirty="0"/>
+            <a:rPr lang="nl-NL" sz="1400" kern="1200"/>
             <a:t> complexiteit)</a:t>
           </a:r>
         </a:p>
@@ -6088,7 +6089,7 @@
           <a:p>
             <a:fld id="{FD176F2B-2569-2E42-9FD4-27ADBE851D58}" type="slidenum">
               <a:rPr lang="nl-NL" smtClean="0"/>
-              <a:t>‹#›</a:t>
+              <a:t>‹nr.›</a:t>
             </a:fld>
             <a:endParaRPr lang="nl-NL"/>
           </a:p>
@@ -6262,7 +6263,7 @@
           <a:p>
             <a:fld id="{FD176F2B-2569-2E42-9FD4-27ADBE851D58}" type="slidenum">
               <a:rPr lang="nl-NL" smtClean="0"/>
-              <a:t>17</a:t>
+              <a:t>16</a:t>
             </a:fld>
             <a:endParaRPr lang="nl-NL"/>
           </a:p>
@@ -6346,7 +6347,7 @@
           <a:p>
             <a:fld id="{FD176F2B-2569-2E42-9FD4-27ADBE851D58}" type="slidenum">
               <a:rPr lang="nl-NL" smtClean="0"/>
-              <a:t>18</a:t>
+              <a:t>17</a:t>
             </a:fld>
             <a:endParaRPr lang="nl-NL"/>
           </a:p>
@@ -6722,7 +6723,6 @@
               <a:rPr lang="en-US"/>
               <a:t>Click to edit Master title style</a:t>
             </a:r>
-            <a:endParaRPr lang="en-US" dirty="0"/>
           </a:p>
         </p:txBody>
       </p:sp>
@@ -6799,7 +6799,6 @@
               <a:rPr lang="en-US"/>
               <a:t>Click to edit Master subtitle style</a:t>
             </a:r>
-            <a:endParaRPr lang="en-US" dirty="0"/>
           </a:p>
         </p:txBody>
       </p:sp>
@@ -6836,7 +6835,7 @@
               <a:rPr lang="en-US" smtClean="0"/>
               <a:t>4/3/2020</a:t>
             </a:fld>
-            <a:endParaRPr lang="en-US" dirty="0"/>
+            <a:endParaRPr lang="en-US"/>
           </a:p>
         </p:txBody>
       </p:sp>
@@ -6871,7 +6870,7 @@
             </a:lvl1pPr>
           </a:lstStyle>
           <a:p>
-            <a:endParaRPr lang="en-US" dirty="0"/>
+            <a:endParaRPr lang="en-US"/>
           </a:p>
         </p:txBody>
       </p:sp>
@@ -6908,9 +6907,9 @@
           <a:p>
             <a:fld id="{34B7E4EF-A1BD-40F4-AB7B-04F084DD991D}" type="slidenum">
               <a:rPr lang="en-US" smtClean="0"/>
-              <a:t>‹#›</a:t>
+              <a:t>‹nr.›</a:t>
             </a:fld>
-            <a:endParaRPr lang="en-US" dirty="0"/>
+            <a:endParaRPr lang="en-US"/>
           </a:p>
         </p:txBody>
       </p:sp>
@@ -6963,7 +6962,6 @@
               <a:rPr lang="en-US"/>
               <a:t>Click to edit Master title style</a:t>
             </a:r>
-            <a:endParaRPr lang="en-US" dirty="0"/>
           </a:p>
         </p:txBody>
       </p:sp>
@@ -7015,7 +7013,6 @@
               <a:rPr lang="en-US"/>
               <a:t>Fifth level</a:t>
             </a:r>
-            <a:endParaRPr lang="en-US" dirty="0"/>
           </a:p>
         </p:txBody>
       </p:sp>
@@ -7078,7 +7075,7 @@
           <a:p>
             <a:fld id="{34B7E4EF-A1BD-40F4-AB7B-04F084DD991D}" type="slidenum">
               <a:rPr lang="en-US" smtClean="0"/>
-              <a:t>‹#›</a:t>
+              <a:t>‹nr.›</a:t>
             </a:fld>
             <a:endParaRPr lang="en-US"/>
           </a:p>
@@ -7138,7 +7135,6 @@
               <a:rPr lang="en-US"/>
               <a:t>Click to edit Master title style</a:t>
             </a:r>
-            <a:endParaRPr lang="en-US" dirty="0"/>
           </a:p>
         </p:txBody>
       </p:sp>
@@ -7195,7 +7191,6 @@
               <a:rPr lang="en-US"/>
               <a:t>Fifth level</a:t>
             </a:r>
-            <a:endParaRPr lang="en-US" dirty="0"/>
           </a:p>
         </p:txBody>
       </p:sp>
@@ -7258,7 +7253,7 @@
           <a:p>
             <a:fld id="{34B7E4EF-A1BD-40F4-AB7B-04F084DD991D}" type="slidenum">
               <a:rPr lang="en-US" smtClean="0"/>
-              <a:t>‹#›</a:t>
+              <a:t>‹nr.›</a:t>
             </a:fld>
             <a:endParaRPr lang="en-US"/>
           </a:p>
@@ -7313,7 +7308,6 @@
               <a:rPr lang="en-US"/>
               <a:t>Click to edit Master title style</a:t>
             </a:r>
-            <a:endParaRPr lang="en-US" dirty="0"/>
           </a:p>
         </p:txBody>
       </p:sp>
@@ -7365,7 +7359,6 @@
               <a:rPr lang="en-US"/>
               <a:t>Fifth level</a:t>
             </a:r>
-            <a:endParaRPr lang="en-US" dirty="0"/>
           </a:p>
         </p:txBody>
       </p:sp>
@@ -7428,7 +7421,7 @@
           <a:p>
             <a:fld id="{34B7E4EF-A1BD-40F4-AB7B-04F084DD991D}" type="slidenum">
               <a:rPr lang="en-US" smtClean="0"/>
-              <a:t>‹#›</a:t>
+              <a:t>‹nr.›</a:t>
             </a:fld>
             <a:endParaRPr lang="en-US"/>
           </a:p>
@@ -7657,7 +7650,6 @@
               <a:rPr lang="en-US"/>
               <a:t>Click to edit Master title style</a:t>
             </a:r>
-            <a:endParaRPr lang="en-US" dirty="0"/>
           </a:p>
         </p:txBody>
       </p:sp>
@@ -7987,7 +7979,7 @@
               <a:rPr lang="en-US" smtClean="0"/>
               <a:t>4/3/2020</a:t>
             </a:fld>
-            <a:endParaRPr lang="en-US" dirty="0"/>
+            <a:endParaRPr lang="en-US"/>
           </a:p>
         </p:txBody>
       </p:sp>
@@ -8022,7 +8014,7 @@
             </a:lvl1pPr>
           </a:lstStyle>
           <a:p>
-            <a:endParaRPr lang="en-US" dirty="0"/>
+            <a:endParaRPr lang="en-US"/>
           </a:p>
         </p:txBody>
       </p:sp>
@@ -8059,9 +8051,9 @@
           <a:p>
             <a:fld id="{34B7E4EF-A1BD-40F4-AB7B-04F084DD991D}" type="slidenum">
               <a:rPr lang="en-US" smtClean="0"/>
-              <a:t>‹#›</a:t>
+              <a:t>‹nr.›</a:t>
             </a:fld>
-            <a:endParaRPr lang="en-US" dirty="0"/>
+            <a:endParaRPr lang="en-US"/>
           </a:p>
         </p:txBody>
       </p:sp>
@@ -8114,7 +8106,6 @@
               <a:rPr lang="en-US"/>
               <a:t>Click to edit Master title style</a:t>
             </a:r>
-            <a:endParaRPr lang="en-US" dirty="0"/>
           </a:p>
         </p:txBody>
       </p:sp>
@@ -8199,7 +8190,6 @@
               <a:rPr lang="en-US"/>
               <a:t>Fifth level</a:t>
             </a:r>
-            <a:endParaRPr lang="en-US" dirty="0"/>
           </a:p>
         </p:txBody>
       </p:sp>
@@ -8284,7 +8274,6 @@
               <a:rPr lang="en-US"/>
               <a:t>Fifth level</a:t>
             </a:r>
-            <a:endParaRPr lang="en-US" dirty="0"/>
           </a:p>
         </p:txBody>
       </p:sp>
@@ -8347,7 +8336,7 @@
           <a:p>
             <a:fld id="{34B7E4EF-A1BD-40F4-AB7B-04F084DD991D}" type="slidenum">
               <a:rPr lang="en-US" smtClean="0"/>
-              <a:t>‹#›</a:t>
+              <a:t>‹nr.›</a:t>
             </a:fld>
             <a:endParaRPr lang="en-US"/>
           </a:p>
@@ -8402,7 +8391,6 @@
               <a:rPr lang="en-US"/>
               <a:t>Click to edit Master title style</a:t>
             </a:r>
-            <a:endParaRPr lang="en-US" dirty="0"/>
           </a:p>
         </p:txBody>
       </p:sp>
@@ -8475,7 +8463,7 @@
           <a:p>
             <a:pPr lvl="0"/>
             <a:r>
-              <a:rPr lang="en-US" dirty="0"/>
+              <a:rPr lang="en-US"/>
               <a:t>Click to edit Master text styles</a:t>
             </a:r>
           </a:p>
@@ -8531,35 +8519,35 @@
           <a:p>
             <a:pPr lvl="0"/>
             <a:r>
-              <a:rPr lang="en-US" dirty="0"/>
+              <a:rPr lang="en-US"/>
               <a:t>Click to edit Master text styles</a:t>
             </a:r>
           </a:p>
           <a:p>
             <a:pPr lvl="1"/>
             <a:r>
-              <a:rPr lang="en-US" dirty="0"/>
+              <a:rPr lang="en-US"/>
               <a:t>Second level</a:t>
             </a:r>
           </a:p>
           <a:p>
             <a:pPr lvl="2"/>
             <a:r>
-              <a:rPr lang="en-US" dirty="0"/>
+              <a:rPr lang="en-US"/>
               <a:t>Third level</a:t>
             </a:r>
           </a:p>
           <a:p>
             <a:pPr lvl="3"/>
             <a:r>
-              <a:rPr lang="en-US" dirty="0"/>
+              <a:rPr lang="en-US"/>
               <a:t>Fourth level</a:t>
             </a:r>
           </a:p>
           <a:p>
             <a:pPr lvl="4"/>
             <a:r>
-              <a:rPr lang="en-US" dirty="0"/>
+              <a:rPr lang="en-US"/>
               <a:t>Fifth level</a:t>
             </a:r>
           </a:p>
@@ -8633,7 +8621,7 @@
           <a:p>
             <a:pPr lvl="0"/>
             <a:r>
-              <a:rPr lang="en-US" dirty="0"/>
+              <a:rPr lang="en-US"/>
               <a:t>Click to edit Master text styles</a:t>
             </a:r>
           </a:p>
@@ -8689,35 +8677,35 @@
           <a:p>
             <a:pPr lvl="0"/>
             <a:r>
-              <a:rPr lang="en-US" dirty="0"/>
+              <a:rPr lang="en-US"/>
               <a:t>Click to edit Master text styles</a:t>
             </a:r>
           </a:p>
           <a:p>
             <a:pPr lvl="1"/>
             <a:r>
-              <a:rPr lang="en-US" dirty="0"/>
+              <a:rPr lang="en-US"/>
               <a:t>Second level</a:t>
             </a:r>
           </a:p>
           <a:p>
             <a:pPr lvl="2"/>
             <a:r>
-              <a:rPr lang="en-US" dirty="0"/>
+              <a:rPr lang="en-US"/>
               <a:t>Third level</a:t>
             </a:r>
           </a:p>
           <a:p>
             <a:pPr lvl="3"/>
             <a:r>
-              <a:rPr lang="en-US" dirty="0"/>
+              <a:rPr lang="en-US"/>
               <a:t>Fourth level</a:t>
             </a:r>
           </a:p>
           <a:p>
             <a:pPr lvl="4"/>
             <a:r>
-              <a:rPr lang="en-US" dirty="0"/>
+              <a:rPr lang="en-US"/>
               <a:t>Fifth level</a:t>
             </a:r>
           </a:p>
@@ -8782,7 +8770,7 @@
           <a:p>
             <a:fld id="{34B7E4EF-A1BD-40F4-AB7B-04F084DD991D}" type="slidenum">
               <a:rPr lang="en-US" smtClean="0"/>
-              <a:t>‹#›</a:t>
+              <a:t>‹nr.›</a:t>
             </a:fld>
             <a:endParaRPr lang="en-US"/>
           </a:p>
@@ -8837,7 +8825,6 @@
               <a:rPr lang="en-US"/>
               <a:t>Click to edit Master title style</a:t>
             </a:r>
-            <a:endParaRPr lang="en-US" dirty="0"/>
           </a:p>
         </p:txBody>
       </p:sp>
@@ -8900,7 +8887,7 @@
           <a:p>
             <a:fld id="{34B7E4EF-A1BD-40F4-AB7B-04F084DD991D}" type="slidenum">
               <a:rPr lang="en-US" smtClean="0"/>
-              <a:t>‹#›</a:t>
+              <a:t>‹nr.›</a:t>
             </a:fld>
             <a:endParaRPr lang="en-US"/>
           </a:p>
@@ -8995,7 +8982,7 @@
           <a:p>
             <a:fld id="{34B7E4EF-A1BD-40F4-AB7B-04F084DD991D}" type="slidenum">
               <a:rPr lang="en-US" smtClean="0"/>
-              <a:t>‹#›</a:t>
+              <a:t>‹nr.›</a:t>
             </a:fld>
             <a:endParaRPr lang="en-US"/>
           </a:p>
@@ -9171,7 +9158,6 @@
               <a:rPr lang="en-US"/>
               <a:t>Click to edit Master title style</a:t>
             </a:r>
-            <a:endParaRPr lang="en-US" dirty="0"/>
           </a:p>
         </p:txBody>
       </p:sp>
@@ -9256,7 +9242,6 @@
               <a:rPr lang="en-US"/>
               <a:t>Fifth level</a:t>
             </a:r>
-            <a:endParaRPr lang="en-US" dirty="0"/>
           </a:p>
         </p:txBody>
       </p:sp>
@@ -9437,7 +9422,7 @@
           <a:p>
             <a:fld id="{34B7E4EF-A1BD-40F4-AB7B-04F084DD991D}" type="slidenum">
               <a:rPr lang="en-US" smtClean="0"/>
-              <a:t>‹#›</a:t>
+              <a:t>‹nr.›</a:t>
             </a:fld>
             <a:endParaRPr lang="en-US"/>
           </a:p>
@@ -9590,7 +9575,6 @@
               <a:rPr lang="en-US"/>
               <a:t>Click icon to add picture</a:t>
             </a:r>
-            <a:endParaRPr lang="en-US" dirty="0"/>
           </a:p>
         </p:txBody>
       </p:sp>
@@ -9634,7 +9618,7 @@
               <a:pPr/>
               <a:t>4/3/2020</a:t>
             </a:fld>
-            <a:endParaRPr lang="en-US" dirty="0"/>
+            <a:endParaRPr lang="en-US"/>
           </a:p>
         </p:txBody>
       </p:sp>
@@ -9677,7 +9661,7 @@
           </a:lstStyle>
           <a:p>
             <a:pPr algn="l"/>
-            <a:endParaRPr lang="en-US" dirty="0"/>
+            <a:endParaRPr lang="en-US"/>
           </a:p>
         </p:txBody>
       </p:sp>
@@ -9703,7 +9687,7 @@
           <a:p>
             <a:fld id="{34B7E4EF-A1BD-40F4-AB7B-04F084DD991D}" type="slidenum">
               <a:rPr lang="en-US" smtClean="0"/>
-              <a:t>‹#›</a:t>
+              <a:t>‹nr.›</a:t>
             </a:fld>
             <a:endParaRPr lang="en-US"/>
           </a:p>
@@ -9795,7 +9779,6 @@
               <a:rPr lang="en-US"/>
               <a:t>Click to edit Master title style</a:t>
             </a:r>
-            <a:endParaRPr lang="en-US" dirty="0"/>
           </a:p>
         </p:txBody>
       </p:sp>
@@ -10046,7 +10029,6 @@
               <a:rPr lang="en-US"/>
               <a:t>Click to edit Master title style</a:t>
             </a:r>
-            <a:endParaRPr lang="en-US" dirty="0"/>
           </a:p>
         </p:txBody>
       </p:sp>
@@ -10108,7 +10090,6 @@
               <a:rPr lang="en-US"/>
               <a:t>Fifth level</a:t>
             </a:r>
-            <a:endParaRPr lang="en-US" dirty="0"/>
           </a:p>
         </p:txBody>
       </p:sp>
@@ -10188,7 +10169,7 @@
             </a:lvl1pPr>
           </a:lstStyle>
           <a:p>
-            <a:endParaRPr lang="en-US" dirty="0"/>
+            <a:endParaRPr lang="en-US"/>
           </a:p>
         </p:txBody>
       </p:sp>
@@ -10228,7 +10209,7 @@
           <a:p>
             <a:fld id="{34B7E4EF-A1BD-40F4-AB7B-04F084DD991D}" type="slidenum">
               <a:rPr lang="en-US" smtClean="0"/>
-              <a:t>‹#›</a:t>
+              <a:t>‹nr.›</a:t>
             </a:fld>
             <a:endParaRPr lang="en-US"/>
           </a:p>
@@ -10603,6 +10584,14 @@
 <file path=ppt/slides/slide1.xml><?xml version="1.0" encoding="utf-8"?>
 <p:sld xmlns:a="http://schemas.openxmlformats.org/drawingml/2006/main" xmlns:r="http://schemas.openxmlformats.org/officeDocument/2006/relationships" xmlns:p="http://schemas.openxmlformats.org/presentationml/2006/main">
   <p:cSld>
+    <p:bg>
+      <p:bgPr>
+        <a:solidFill>
+          <a:schemeClr val="bg1"/>
+        </a:solidFill>
+        <a:effectLst/>
+      </p:bgPr>
+    </p:bg>
     <p:spTree>
       <p:nvGrpSpPr>
         <p:cNvPr id="1" name=""/>
@@ -10617,12 +10606,130 @@
           <a:chExt cx="0" cy="0"/>
         </a:xfrm>
       </p:grpSpPr>
+      <p:pic>
+        <p:nvPicPr>
+          <p:cNvPr id="19" name="Picture 3">
+            <a:extLst>
+              <a:ext uri="{FF2B5EF4-FFF2-40B4-BE49-F238E27FC236}">
+                <a16:creationId xmlns:a16="http://schemas.microsoft.com/office/drawing/2014/main" id="{3156B8B5-23B1-4EAF-857C-AB56D7434897}"/>
+              </a:ext>
+            </a:extLst>
+          </p:cNvPr>
+          <p:cNvPicPr>
+            <a:picLocks noChangeAspect="1"/>
+          </p:cNvPicPr>
+          <p:nvPr/>
+        </p:nvPicPr>
+        <p:blipFill rotWithShape="1">
+          <a:blip r:embed="rId2"/>
+          <a:srcRect t="4882" b="7570"/>
+          <a:stretch/>
+        </p:blipFill>
+        <p:spPr>
+          <a:xfrm>
+            <a:off x="20" y="10"/>
+            <a:ext cx="12191979" cy="6857990"/>
+          </a:xfrm>
+          <a:prstGeom prst="rect">
+            <a:avLst/>
+          </a:prstGeom>
+        </p:spPr>
+      </p:pic>
+      <p:sp>
+        <p:nvSpPr>
+          <p:cNvPr id="20" name="Rectangle 8">
+            <a:extLst>
+              <a:ext uri="{FF2B5EF4-FFF2-40B4-BE49-F238E27FC236}">
+                <a16:creationId xmlns:a16="http://schemas.microsoft.com/office/drawing/2014/main" id="{2644B391-9BFE-445C-A9EC-F544BB85FBC7}"/>
+              </a:ext>
+              <a:ext uri="{C183D7F6-B498-43B3-948B-1728B52AA6E4}">
+                <adec:decorative xmlns:adec="http://schemas.microsoft.com/office/drawing/2017/decorative" val="1"/>
+              </a:ext>
+            </a:extLst>
+          </p:cNvPr>
+          <p:cNvSpPr>
+            <a:spLocks noGrp="1" noRot="1" noChangeAspect="1" noMove="1" noResize="1" noEditPoints="1" noAdjustHandles="1" noChangeArrowheads="1" noChangeShapeType="1" noTextEdit="1"/>
+          </p:cNvSpPr>
+          <p:nvPr>
+            <p:extLst>
+              <p:ext uri="{386F3935-93C4-4BCD-93E2-E3B085C9AB24}">
+                <p16:designElem xmlns:p16="http://schemas.microsoft.com/office/powerpoint/2015/main" val="1"/>
+              </p:ext>
+            </p:extLst>
+          </p:nvPr>
+        </p:nvSpPr>
+        <p:spPr>
+          <a:xfrm>
+            <a:off x="937329" y="1808532"/>
+            <a:ext cx="5452527" cy="3240936"/>
+          </a:xfrm>
+          <a:prstGeom prst="rect">
+            <a:avLst/>
+          </a:prstGeom>
+          <a:solidFill>
+            <a:schemeClr val="bg1">
+              <a:lumMod val="75000"/>
+              <a:lumOff val="25000"/>
+            </a:schemeClr>
+          </a:solidFill>
+          <a:ln w="6350" cap="sq" cmpd="sng" algn="ctr">
+            <a:noFill/>
+            <a:prstDash val="solid"/>
+            <a:miter lim="800000"/>
+          </a:ln>
+          <a:effectLst/>
+        </p:spPr>
+      </p:sp>
+      <p:sp>
+        <p:nvSpPr>
+          <p:cNvPr id="11" name="Rectangle 10">
+            <a:extLst>
+              <a:ext uri="{FF2B5EF4-FFF2-40B4-BE49-F238E27FC236}">
+                <a16:creationId xmlns:a16="http://schemas.microsoft.com/office/drawing/2014/main" id="{80F26E69-87D9-4655-AE7B-280A87AA3CAD}"/>
+              </a:ext>
+              <a:ext uri="{C183D7F6-B498-43B3-948B-1728B52AA6E4}">
+                <adec:decorative xmlns:adec="http://schemas.microsoft.com/office/drawing/2017/decorative" val="1"/>
+              </a:ext>
+            </a:extLst>
+          </p:cNvPr>
+          <p:cNvSpPr>
+            <a:spLocks noGrp="1" noRot="1" noChangeAspect="1" noMove="1" noResize="1" noEditPoints="1" noAdjustHandles="1" noChangeArrowheads="1" noChangeShapeType="1" noTextEdit="1"/>
+          </p:cNvSpPr>
+          <p:nvPr>
+            <p:extLst>
+              <p:ext uri="{386F3935-93C4-4BCD-93E2-E3B085C9AB24}">
+                <p16:designElem xmlns:p16="http://schemas.microsoft.com/office/powerpoint/2015/main" val="1"/>
+              </p:ext>
+            </p:extLst>
+          </p:nvPr>
+        </p:nvSpPr>
+        <p:spPr>
+          <a:xfrm>
+            <a:off x="1103272" y="1975104"/>
+            <a:ext cx="5120640" cy="2907792"/>
+          </a:xfrm>
+          <a:prstGeom prst="rect">
+            <a:avLst/>
+          </a:prstGeom>
+          <a:noFill/>
+          <a:ln w="6350" cap="sq" cmpd="sng" algn="ctr">
+            <a:solidFill>
+              <a:schemeClr val="tx1"/>
+            </a:solidFill>
+            <a:prstDash val="solid"/>
+            <a:miter lim="800000"/>
+          </a:ln>
+          <a:effectLst>
+            <a:softEdge rad="0"/>
+          </a:effectLst>
+        </p:spPr>
+      </p:sp>
       <p:sp>
         <p:nvSpPr>
           <p:cNvPr id="2" name="Title 1">
             <a:extLst>
               <a:ext uri="{FF2B5EF4-FFF2-40B4-BE49-F238E27FC236}">
-                <a16:creationId xmlns:a16="http://schemas.microsoft.com/office/drawing/2014/main" id="{DA7511B8-C822-450C-BF87-4F90D2BB751A}"/>
+                <a16:creationId xmlns:a16="http://schemas.microsoft.com/office/drawing/2014/main" id="{FE9B1E4B-B845-4306-9C33-DA7C3AAE02E2}"/>
               </a:ext>
             </a:extLst>
           </p:cNvPr>
@@ -10630,86 +10737,38 @@
             <a:spLocks noGrp="1"/>
           </p:cNvSpPr>
           <p:nvPr>
-            <p:ph type="title"/>
+            <p:ph type="ctrTitle"/>
           </p:nvPr>
         </p:nvSpPr>
-        <p:spPr/>
+        <p:spPr>
+          <a:xfrm>
+            <a:off x="1276055" y="2350017"/>
+            <a:ext cx="4775075" cy="1630906"/>
+          </a:xfrm>
+        </p:spPr>
         <p:txBody>
-          <a:bodyPr/>
+          <a:bodyPr>
+            <a:normAutofit fontScale="90000"/>
+          </a:bodyPr>
           <a:lstStyle/>
           <a:p>
-            <a:endParaRPr lang="nl-NL"/>
+            <a:r>
+              <a:rPr lang="nl-NL" sz="4400">
+                <a:solidFill>
+                  <a:schemeClr val="tx1"/>
+                </a:solidFill>
+              </a:rPr>
+              <a:t>METRIEKEN MICROSERVICES VS MONOLITHISCH</a:t>
+            </a:r>
           </a:p>
         </p:txBody>
       </p:sp>
-      <p:pic>
-        <p:nvPicPr>
-          <p:cNvPr id="4" name="Content Placeholder 3">
+      <p:sp>
+        <p:nvSpPr>
+          <p:cNvPr id="3" name="Subtitle 2">
             <a:extLst>
               <a:ext uri="{FF2B5EF4-FFF2-40B4-BE49-F238E27FC236}">
-                <a16:creationId xmlns:a16="http://schemas.microsoft.com/office/drawing/2014/main" id="{97D93D68-A12C-4555-B164-3D28BE937DF7}"/>
-              </a:ext>
-            </a:extLst>
-          </p:cNvPr>
-          <p:cNvPicPr>
-            <a:picLocks noGrp="1" noChangeAspect="1"/>
-          </p:cNvPicPr>
-          <p:nvPr>
-            <p:ph idx="1"/>
-          </p:nvPr>
-        </p:nvPicPr>
-        <p:blipFill>
-          <a:blip r:embed="rId2"/>
-          <a:stretch>
-            <a:fillRect/>
-          </a:stretch>
-        </p:blipFill>
-        <p:spPr>
-          <a:xfrm>
-            <a:off x="3156179" y="2103438"/>
-            <a:ext cx="5879641" cy="3849687"/>
-          </a:xfrm>
-          <a:prstGeom prst="rect">
-            <a:avLst/>
-          </a:prstGeom>
-        </p:spPr>
-      </p:pic>
-    </p:spTree>
-    <p:extLst>
-      <p:ext uri="{BB962C8B-B14F-4D97-AF65-F5344CB8AC3E}">
-        <p14:creationId xmlns:p14="http://schemas.microsoft.com/office/powerpoint/2010/main" val="411057439"/>
-      </p:ext>
-    </p:extLst>
-  </p:cSld>
-  <p:clrMapOvr>
-    <a:masterClrMapping/>
-  </p:clrMapOvr>
-</p:sld>
-</file>
-
-<file path=ppt/slides/slide10.xml><?xml version="1.0" encoding="utf-8"?>
-<p:sld xmlns:a="http://schemas.openxmlformats.org/drawingml/2006/main" xmlns:r="http://schemas.openxmlformats.org/officeDocument/2006/relationships" xmlns:p="http://schemas.openxmlformats.org/presentationml/2006/main">
-  <p:cSld>
-    <p:spTree>
-      <p:nvGrpSpPr>
-        <p:cNvPr id="1" name=""/>
-        <p:cNvGrpSpPr/>
-        <p:nvPr/>
-      </p:nvGrpSpPr>
-      <p:grpSpPr>
-        <a:xfrm>
-          <a:off x="0" y="0"/>
-          <a:ext cx="0" cy="0"/>
-          <a:chOff x="0" y="0"/>
-          <a:chExt cx="0" cy="0"/>
-        </a:xfrm>
-      </p:grpSpPr>
-      <p:sp>
-        <p:nvSpPr>
-          <p:cNvPr id="2" name="Title 1">
-            <a:extLst>
-              <a:ext uri="{FF2B5EF4-FFF2-40B4-BE49-F238E27FC236}">
-                <a16:creationId xmlns:a16="http://schemas.microsoft.com/office/drawing/2014/main" id="{CE084FC2-49FE-464E-888E-9CDE26AC7D7C}"/>
+                <a16:creationId xmlns:a16="http://schemas.microsoft.com/office/drawing/2014/main" id="{EF5385F7-580E-449B-8EA6-FD0ED5DB0969}"/>
               </a:ext>
             </a:extLst>
           </p:cNvPr>
@@ -10717,134 +10776,56 @@
             <a:spLocks noGrp="1"/>
           </p:cNvSpPr>
           <p:nvPr>
-            <p:ph type="title"/>
+            <p:ph type="subTitle" idx="1"/>
           </p:nvPr>
         </p:nvSpPr>
-        <p:spPr/>
-        <p:txBody>
-          <a:bodyPr/>
-          <a:lstStyle/>
-          <a:p>
-            <a:r>
-              <a:rPr lang="nl-NL" dirty="0"/>
-              <a:t>Doel </a:t>
-            </a:r>
-          </a:p>
-        </p:txBody>
-      </p:sp>
-      <p:sp>
-        <p:nvSpPr>
-          <p:cNvPr id="3" name="Content Placeholder 2">
-            <a:extLst>
-              <a:ext uri="{FF2B5EF4-FFF2-40B4-BE49-F238E27FC236}">
-                <a16:creationId xmlns:a16="http://schemas.microsoft.com/office/drawing/2014/main" id="{3D58F1B3-BFAB-4880-8092-3C545EA9B087}"/>
-              </a:ext>
-            </a:extLst>
-          </p:cNvPr>
-          <p:cNvSpPr>
-            <a:spLocks noGrp="1"/>
-          </p:cNvSpPr>
-          <p:nvPr>
-            <p:ph idx="1"/>
-          </p:nvPr>
-        </p:nvSpPr>
-        <p:spPr/>
+        <p:spPr>
+          <a:xfrm>
+            <a:off x="1276055" y="3990546"/>
+            <a:ext cx="4775075" cy="559656"/>
+          </a:xfrm>
+        </p:spPr>
         <p:txBody>
           <a:bodyPr>
-            <a:normAutofit lnSpcReduction="10000"/>
+            <a:normAutofit fontScale="92500" lnSpcReduction="20000"/>
           </a:bodyPr>
           <a:lstStyle/>
           <a:p>
             <a:r>
-              <a:rPr lang="nl-NL" dirty="0"/>
-              <a:t>Verschillen in kwaliteiten applicatie </a:t>
-            </a:r>
-          </a:p>
-          <a:p>
-            <a:endParaRPr lang="nl-NL" sz="2400" dirty="0"/>
-          </a:p>
-          <a:p>
-            <a:pPr marL="0" indent="0" algn="ctr">
-              <a:buNone/>
-            </a:pPr>
-            <a:r>
-              <a:rPr lang="nl-NL" sz="2400" dirty="0"/>
-              <a:t>‘Op welke </a:t>
-            </a:r>
-            <a:r>
-              <a:rPr lang="nl-NL" sz="2400" dirty="0" err="1"/>
-              <a:t>metrieken</a:t>
-            </a:r>
-            <a:r>
-              <a:rPr lang="nl-NL" sz="2400" dirty="0"/>
-              <a:t> heeft het omzetten van een monolithische applicatie naar een applicatie met microservices impact?’</a:t>
-            </a:r>
-          </a:p>
-          <a:p>
-            <a:endParaRPr lang="nl-NL" sz="2400" dirty="0"/>
-          </a:p>
-          <a:p>
-            <a:r>
-              <a:rPr lang="nl-NL" dirty="0"/>
-              <a:t>Literatuurstudie Microservices</a:t>
+              <a:rPr lang="nl-NL">
+                <a:solidFill>
+                  <a:schemeClr val="tx1"/>
+                </a:solidFill>
+              </a:rPr>
+              <a:t>Julian van Noordennen – 2127530</a:t>
             </a:r>
           </a:p>
           <a:p>
             <a:r>
-              <a:rPr lang="nl-NL" dirty="0"/>
-              <a:t>Literatuurstudie </a:t>
+              <a:rPr lang="nl-NL">
+                <a:solidFill>
+                  <a:schemeClr val="tx1"/>
+                </a:solidFill>
+              </a:rPr>
+              <a:t>Thomas de Lange - 2125564</a:t>
             </a:r>
-            <a:r>
-              <a:rPr lang="nl-NL" dirty="0" err="1"/>
-              <a:t>Metrieken</a:t>
-            </a:r>
-            <a:endParaRPr lang="nl-NL" dirty="0"/>
-          </a:p>
-          <a:p>
-            <a:r>
-              <a:rPr lang="nl-NL" dirty="0"/>
-              <a:t>Ontwerpen applicatie</a:t>
-            </a:r>
-          </a:p>
-          <a:p>
-            <a:r>
-              <a:rPr lang="nl-NL" dirty="0"/>
-              <a:t>Implementeren applicatie</a:t>
-            </a:r>
-          </a:p>
-          <a:p>
-            <a:r>
-              <a:rPr lang="nl-NL" dirty="0"/>
-              <a:t>Vergelijking </a:t>
-            </a:r>
-            <a:r>
-              <a:rPr lang="nl-NL" dirty="0" err="1"/>
-              <a:t>metrieken</a:t>
-            </a:r>
-            <a:endParaRPr lang="nl-NL" dirty="0"/>
-          </a:p>
-          <a:p>
-            <a:pPr marL="0" indent="0" algn="ctr">
-              <a:buNone/>
-            </a:pPr>
-            <a:endParaRPr lang="nl-NL" sz="2400" dirty="0"/>
           </a:p>
         </p:txBody>
       </p:sp>
     </p:spTree>
     <p:extLst>
       <p:ext uri="{BB962C8B-B14F-4D97-AF65-F5344CB8AC3E}">
-        <p14:creationId xmlns:p14="http://schemas.microsoft.com/office/powerpoint/2010/main" val="3254915564"/>
+        <p14:creationId xmlns:p14="http://schemas.microsoft.com/office/powerpoint/2010/main" val="3478366512"/>
       </p:ext>
     </p:extLst>
   </p:cSld>
   <p:clrMapOvr>
-    <a:masterClrMapping/>
+    <a:overrideClrMapping bg1="dk1" tx1="lt1" bg2="dk2" tx2="lt2" accent1="accent1" accent2="accent2" accent3="accent3" accent4="accent4" accent5="accent5" accent6="accent6" hlink="hlink" folHlink="folHlink"/>
   </p:clrMapOvr>
 </p:sld>
 </file>
 
-<file path=ppt/slides/slide11.xml><?xml version="1.0" encoding="utf-8"?>
+<file path=ppt/slides/slide10.xml><?xml version="1.0" encoding="utf-8"?>
 <p:sld xmlns:a="http://schemas.openxmlformats.org/drawingml/2006/main" xmlns:r="http://schemas.openxmlformats.org/officeDocument/2006/relationships" xmlns:p="http://schemas.openxmlformats.org/presentationml/2006/main">
   <p:cSld>
     <p:spTree>
@@ -10883,7 +10864,7 @@
           <a:lstStyle/>
           <a:p>
             <a:r>
-              <a:rPr lang="nl-NL" dirty="0"/>
+              <a:rPr lang="nl-NL"/>
               <a:t>Casus - Functioneel</a:t>
             </a:r>
           </a:p>
@@ -10911,12 +10892,12 @@
           <a:lstStyle/>
           <a:p>
             <a:r>
-              <a:rPr lang="nl-NL" dirty="0"/>
+              <a:rPr lang="nl-NL"/>
               <a:t>Webshop met drie entiteiten</a:t>
             </a:r>
           </a:p>
           <a:p>
-            <a:endParaRPr lang="nl-NL" dirty="0"/>
+            <a:endParaRPr lang="nl-NL"/>
           </a:p>
         </p:txBody>
       </p:sp>
@@ -11047,7 +11028,7 @@
                 <a:buNone/>
               </a:pPr>
               <a:r>
-                <a:rPr lang="nl-NL" sz="3300" kern="1200" dirty="0"/>
+                <a:rPr lang="nl-NL" sz="3300" kern="1200"/>
                 <a:t>Front-end</a:t>
               </a:r>
             </a:p>
@@ -11181,10 +11162,10 @@
                 <a:buNone/>
               </a:pPr>
               <a:r>
-                <a:rPr lang="nl-NL" sz="3300" kern="1200" dirty="0" err="1"/>
+                <a:rPr lang="nl-NL" sz="3300" kern="1200" err="1"/>
                 <a:t>Back-end</a:t>
               </a:r>
-              <a:endParaRPr lang="nl-NL" sz="3300" kern="1200" dirty="0"/>
+              <a:endParaRPr lang="nl-NL" sz="3300" kern="1200"/>
             </a:p>
           </p:txBody>
         </p:sp>
@@ -11316,10 +11297,10 @@
                 <a:buNone/>
               </a:pPr>
               <a:r>
-                <a:rPr lang="nl-NL" sz="3300" dirty="0"/>
+                <a:rPr lang="nl-NL" sz="3300"/>
                 <a:t>Services</a:t>
               </a:r>
-              <a:endParaRPr lang="nl-NL" sz="3300" kern="1200" dirty="0"/>
+              <a:endParaRPr lang="nl-NL" sz="3300" kern="1200"/>
             </a:p>
           </p:txBody>
         </p:sp>
@@ -11451,10 +11432,10 @@
                 <a:buNone/>
               </a:pPr>
               <a:r>
-                <a:rPr lang="nl-NL" sz="3300" dirty="0"/>
+                <a:rPr lang="nl-NL" sz="3300"/>
                 <a:t>Databases</a:t>
               </a:r>
-              <a:endParaRPr lang="nl-NL" sz="3300" kern="1200" dirty="0"/>
+              <a:endParaRPr lang="nl-NL" sz="3300" kern="1200"/>
             </a:p>
           </p:txBody>
         </p:sp>
@@ -11472,7 +11453,7 @@
 </p:sld>
 </file>
 
-<file path=ppt/slides/slide12.xml><?xml version="1.0" encoding="utf-8"?>
+<file path=ppt/slides/slide11.xml><?xml version="1.0" encoding="utf-8"?>
 <p:sld xmlns:a="http://schemas.openxmlformats.org/drawingml/2006/main" xmlns:r="http://schemas.openxmlformats.org/officeDocument/2006/relationships" xmlns:p="http://schemas.openxmlformats.org/presentationml/2006/main">
   <p:cSld>
     <p:spTree>
@@ -11511,7 +11492,7 @@
           <a:lstStyle/>
           <a:p>
             <a:r>
-              <a:rPr lang="nl-NL" dirty="0"/>
+              <a:rPr lang="nl-NL"/>
               <a:t>Casus – Niet functioneel</a:t>
             </a:r>
           </a:p>
@@ -11539,23 +11520,23 @@
           <a:lstStyle/>
           <a:p>
             <a:r>
-              <a:rPr lang="nl-NL" dirty="0"/>
+              <a:rPr lang="nl-NL"/>
               <a:t>Meting van </a:t>
             </a:r>
             <a:r>
-              <a:rPr lang="nl-NL" dirty="0" err="1"/>
+              <a:rPr lang="nl-NL" err="1"/>
               <a:t>metrieken</a:t>
             </a:r>
-            <a:endParaRPr lang="nl-NL" dirty="0"/>
+            <a:endParaRPr lang="nl-NL"/>
           </a:p>
           <a:p>
             <a:r>
-              <a:rPr lang="nl-NL" dirty="0"/>
+              <a:rPr lang="nl-NL"/>
               <a:t>Op basis van softwarekwaliteiten</a:t>
             </a:r>
           </a:p>
           <a:p>
-            <a:endParaRPr lang="nl-NL" dirty="0"/>
+            <a:endParaRPr lang="nl-NL"/>
           </a:p>
         </p:txBody>
       </p:sp>
@@ -11600,7 +11581,7 @@
 </p:sld>
 </file>
 
-<file path=ppt/slides/slide13.xml><?xml version="1.0" encoding="utf-8"?>
+<file path=ppt/slides/slide12.xml><?xml version="1.0" encoding="utf-8"?>
 <p:sld xmlns:a="http://schemas.openxmlformats.org/drawingml/2006/main" xmlns:r="http://schemas.openxmlformats.org/officeDocument/2006/relationships" xmlns:p="http://schemas.openxmlformats.org/presentationml/2006/main">
   <p:cSld>
     <p:spTree>
@@ -11639,7 +11620,7 @@
           <a:lstStyle/>
           <a:p>
             <a:r>
-              <a:rPr lang="nl-NL" dirty="0"/>
+              <a:rPr lang="nl-NL"/>
               <a:t>Casus - Meet methode</a:t>
             </a:r>
           </a:p>
@@ -11667,14 +11648,14 @@
           <a:lstStyle/>
           <a:p>
             <a:r>
-              <a:rPr lang="nl-NL" dirty="0" err="1"/>
+              <a:rPr lang="nl-NL" err="1"/>
               <a:t>Sonarqube</a:t>
             </a:r>
-            <a:endParaRPr lang="nl-NL" dirty="0"/>
+            <a:endParaRPr lang="nl-NL"/>
           </a:p>
           <a:p>
             <a:r>
-              <a:rPr lang="nl-NL" dirty="0"/>
+              <a:rPr lang="nl-NL"/>
               <a:t>Console</a:t>
             </a:r>
           </a:p>
@@ -11787,7 +11768,7 @@
 </p:sld>
 </file>
 
-<file path=ppt/slides/slide14.xml><?xml version="1.0" encoding="utf-8"?>
+<file path=ppt/slides/slide13.xml><?xml version="1.0" encoding="utf-8"?>
 <p:sld xmlns:a="http://schemas.openxmlformats.org/drawingml/2006/main" xmlns:r="http://schemas.openxmlformats.org/officeDocument/2006/relationships" xmlns:p="http://schemas.openxmlformats.org/presentationml/2006/main">
   <p:cSld>
     <p:spTree>
@@ -11826,7 +11807,7 @@
           <a:lstStyle/>
           <a:p>
             <a:r>
-              <a:rPr lang="nl-NL" dirty="0"/>
+              <a:rPr lang="nl-NL"/>
               <a:t>Architectuur</a:t>
             </a:r>
           </a:p>
@@ -12383,7 +12364,7 @@
 </p:sld>
 </file>
 
-<file path=ppt/slides/slide15.xml><?xml version="1.0" encoding="utf-8"?>
+<file path=ppt/slides/slide14.xml><?xml version="1.0" encoding="utf-8"?>
 <p:sld xmlns:a="http://schemas.openxmlformats.org/drawingml/2006/main" xmlns:r="http://schemas.openxmlformats.org/officeDocument/2006/relationships" xmlns:p="http://schemas.openxmlformats.org/presentationml/2006/main">
   <p:cSld>
     <p:spTree>
@@ -12485,7 +12466,7 @@
 </p:sld>
 </file>
 
-<file path=ppt/slides/slide16.xml><?xml version="1.0" encoding="utf-8"?>
+<file path=ppt/slides/slide15.xml><?xml version="1.0" encoding="utf-8"?>
 <p:sld xmlns:a="http://schemas.openxmlformats.org/drawingml/2006/main" xmlns:r="http://schemas.openxmlformats.org/officeDocument/2006/relationships" xmlns:p="http://schemas.openxmlformats.org/presentationml/2006/main">
   <p:cSld>
     <p:spTree>
@@ -12592,7 +12573,7 @@
 </p:sld>
 </file>
 
-<file path=ppt/slides/slide17.xml><?xml version="1.0" encoding="utf-8"?>
+<file path=ppt/slides/slide16.xml><?xml version="1.0" encoding="utf-8"?>
 <p:sld xmlns:a="http://schemas.openxmlformats.org/drawingml/2006/main" xmlns:r="http://schemas.openxmlformats.org/officeDocument/2006/relationships" xmlns:p="http://schemas.openxmlformats.org/presentationml/2006/main">
   <p:cSld>
     <p:spTree>
@@ -13266,7 +13247,7 @@
 </p:sld>
 </file>
 
-<file path=ppt/slides/slide18.xml><?xml version="1.0" encoding="utf-8"?>
+<file path=ppt/slides/slide17.xml><?xml version="1.0" encoding="utf-8"?>
 <p:sld xmlns:a="http://schemas.openxmlformats.org/drawingml/2006/main" xmlns:r="http://schemas.openxmlformats.org/officeDocument/2006/relationships" xmlns:p="http://schemas.openxmlformats.org/presentationml/2006/main">
   <p:cSld>
     <p:spTree>
@@ -13449,7 +13430,7 @@
 </p:sld>
 </file>
 
-<file path=ppt/slides/slide19.xml><?xml version="1.0" encoding="utf-8"?>
+<file path=ppt/slides/slide18.xml><?xml version="1.0" encoding="utf-8"?>
 <p:sld xmlns:a="http://schemas.openxmlformats.org/drawingml/2006/main" xmlns:r="http://schemas.openxmlformats.org/officeDocument/2006/relationships" xmlns:p="http://schemas.openxmlformats.org/presentationml/2006/main">
   <p:cSld>
     <p:spTree>
@@ -13496,7 +13477,7 @@
           <a:p>
             <a:pPr algn="ctr"/>
             <a:r>
-              <a:rPr lang="nl-NL" sz="7200" dirty="0"/>
+              <a:rPr lang="nl-NL" sz="7200"/>
               <a:t>Demo</a:t>
             </a:r>
           </a:p>
@@ -13515,251 +13496,7 @@
 </p:sld>
 </file>
 
-<file path=ppt/slides/slide2.xml><?xml version="1.0" encoding="utf-8"?>
-<p:sld xmlns:a="http://schemas.openxmlformats.org/drawingml/2006/main" xmlns:r="http://schemas.openxmlformats.org/officeDocument/2006/relationships" xmlns:p="http://schemas.openxmlformats.org/presentationml/2006/main">
-  <p:cSld>
-    <p:bg>
-      <p:bgPr>
-        <a:solidFill>
-          <a:schemeClr val="bg1"/>
-        </a:solidFill>
-        <a:effectLst/>
-      </p:bgPr>
-    </p:bg>
-    <p:spTree>
-      <p:nvGrpSpPr>
-        <p:cNvPr id="1" name=""/>
-        <p:cNvGrpSpPr/>
-        <p:nvPr/>
-      </p:nvGrpSpPr>
-      <p:grpSpPr>
-        <a:xfrm>
-          <a:off x="0" y="0"/>
-          <a:ext cx="0" cy="0"/>
-          <a:chOff x="0" y="0"/>
-          <a:chExt cx="0" cy="0"/>
-        </a:xfrm>
-      </p:grpSpPr>
-      <p:pic>
-        <p:nvPicPr>
-          <p:cNvPr id="19" name="Picture 3">
-            <a:extLst>
-              <a:ext uri="{FF2B5EF4-FFF2-40B4-BE49-F238E27FC236}">
-                <a16:creationId xmlns:a16="http://schemas.microsoft.com/office/drawing/2014/main" id="{3156B8B5-23B1-4EAF-857C-AB56D7434897}"/>
-              </a:ext>
-            </a:extLst>
-          </p:cNvPr>
-          <p:cNvPicPr>
-            <a:picLocks noChangeAspect="1"/>
-          </p:cNvPicPr>
-          <p:nvPr/>
-        </p:nvPicPr>
-        <p:blipFill rotWithShape="1">
-          <a:blip r:embed="rId2"/>
-          <a:srcRect t="4882" b="7570"/>
-          <a:stretch/>
-        </p:blipFill>
-        <p:spPr>
-          <a:xfrm>
-            <a:off x="20" y="10"/>
-            <a:ext cx="12191979" cy="6857990"/>
-          </a:xfrm>
-          <a:prstGeom prst="rect">
-            <a:avLst/>
-          </a:prstGeom>
-        </p:spPr>
-      </p:pic>
-      <p:sp>
-        <p:nvSpPr>
-          <p:cNvPr id="20" name="Rectangle 8">
-            <a:extLst>
-              <a:ext uri="{FF2B5EF4-FFF2-40B4-BE49-F238E27FC236}">
-                <a16:creationId xmlns:a16="http://schemas.microsoft.com/office/drawing/2014/main" id="{2644B391-9BFE-445C-A9EC-F544BB85FBC7}"/>
-              </a:ext>
-              <a:ext uri="{C183D7F6-B498-43B3-948B-1728B52AA6E4}">
-                <adec:decorative xmlns:adec="http://schemas.microsoft.com/office/drawing/2017/decorative" val="1"/>
-              </a:ext>
-            </a:extLst>
-          </p:cNvPr>
-          <p:cNvSpPr>
-            <a:spLocks noGrp="1" noRot="1" noChangeAspect="1" noMove="1" noResize="1" noEditPoints="1" noAdjustHandles="1" noChangeArrowheads="1" noChangeShapeType="1" noTextEdit="1"/>
-          </p:cNvSpPr>
-          <p:nvPr>
-            <p:extLst>
-              <p:ext uri="{386F3935-93C4-4BCD-93E2-E3B085C9AB24}">
-                <p16:designElem xmlns:p16="http://schemas.microsoft.com/office/powerpoint/2015/main" val="1"/>
-              </p:ext>
-            </p:extLst>
-          </p:nvPr>
-        </p:nvSpPr>
-        <p:spPr>
-          <a:xfrm>
-            <a:off x="937329" y="1808532"/>
-            <a:ext cx="5452527" cy="3240936"/>
-          </a:xfrm>
-          <a:prstGeom prst="rect">
-            <a:avLst/>
-          </a:prstGeom>
-          <a:solidFill>
-            <a:schemeClr val="bg1">
-              <a:lumMod val="75000"/>
-              <a:lumOff val="25000"/>
-            </a:schemeClr>
-          </a:solidFill>
-          <a:ln w="6350" cap="sq" cmpd="sng" algn="ctr">
-            <a:noFill/>
-            <a:prstDash val="solid"/>
-            <a:miter lim="800000"/>
-          </a:ln>
-          <a:effectLst/>
-        </p:spPr>
-      </p:sp>
-      <p:sp>
-        <p:nvSpPr>
-          <p:cNvPr id="11" name="Rectangle 10">
-            <a:extLst>
-              <a:ext uri="{FF2B5EF4-FFF2-40B4-BE49-F238E27FC236}">
-                <a16:creationId xmlns:a16="http://schemas.microsoft.com/office/drawing/2014/main" id="{80F26E69-87D9-4655-AE7B-280A87AA3CAD}"/>
-              </a:ext>
-              <a:ext uri="{C183D7F6-B498-43B3-948B-1728B52AA6E4}">
-                <adec:decorative xmlns:adec="http://schemas.microsoft.com/office/drawing/2017/decorative" val="1"/>
-              </a:ext>
-            </a:extLst>
-          </p:cNvPr>
-          <p:cNvSpPr>
-            <a:spLocks noGrp="1" noRot="1" noChangeAspect="1" noMove="1" noResize="1" noEditPoints="1" noAdjustHandles="1" noChangeArrowheads="1" noChangeShapeType="1" noTextEdit="1"/>
-          </p:cNvSpPr>
-          <p:nvPr>
-            <p:extLst>
-              <p:ext uri="{386F3935-93C4-4BCD-93E2-E3B085C9AB24}">
-                <p16:designElem xmlns:p16="http://schemas.microsoft.com/office/powerpoint/2015/main" val="1"/>
-              </p:ext>
-            </p:extLst>
-          </p:nvPr>
-        </p:nvSpPr>
-        <p:spPr>
-          <a:xfrm>
-            <a:off x="1103272" y="1975104"/>
-            <a:ext cx="5120640" cy="2907792"/>
-          </a:xfrm>
-          <a:prstGeom prst="rect">
-            <a:avLst/>
-          </a:prstGeom>
-          <a:noFill/>
-          <a:ln w="6350" cap="sq" cmpd="sng" algn="ctr">
-            <a:solidFill>
-              <a:schemeClr val="tx1"/>
-            </a:solidFill>
-            <a:prstDash val="solid"/>
-            <a:miter lim="800000"/>
-          </a:ln>
-          <a:effectLst>
-            <a:softEdge rad="0"/>
-          </a:effectLst>
-        </p:spPr>
-      </p:sp>
-      <p:sp>
-        <p:nvSpPr>
-          <p:cNvPr id="2" name="Title 1">
-            <a:extLst>
-              <a:ext uri="{FF2B5EF4-FFF2-40B4-BE49-F238E27FC236}">
-                <a16:creationId xmlns:a16="http://schemas.microsoft.com/office/drawing/2014/main" id="{FE9B1E4B-B845-4306-9C33-DA7C3AAE02E2}"/>
-              </a:ext>
-            </a:extLst>
-          </p:cNvPr>
-          <p:cNvSpPr>
-            <a:spLocks noGrp="1"/>
-          </p:cNvSpPr>
-          <p:nvPr>
-            <p:ph type="ctrTitle"/>
-          </p:nvPr>
-        </p:nvSpPr>
-        <p:spPr>
-          <a:xfrm>
-            <a:off x="1276055" y="2350017"/>
-            <a:ext cx="4775075" cy="1630906"/>
-          </a:xfrm>
-        </p:spPr>
-        <p:txBody>
-          <a:bodyPr>
-            <a:normAutofit fontScale="90000"/>
-          </a:bodyPr>
-          <a:lstStyle/>
-          <a:p>
-            <a:r>
-              <a:rPr lang="nl-NL" sz="4400" dirty="0">
-                <a:solidFill>
-                  <a:schemeClr val="tx1"/>
-                </a:solidFill>
-              </a:rPr>
-              <a:t>METRIEKEN MICROSERVICES VS MONOLITHISCH</a:t>
-            </a:r>
-          </a:p>
-        </p:txBody>
-      </p:sp>
-      <p:sp>
-        <p:nvSpPr>
-          <p:cNvPr id="3" name="Subtitle 2">
-            <a:extLst>
-              <a:ext uri="{FF2B5EF4-FFF2-40B4-BE49-F238E27FC236}">
-                <a16:creationId xmlns:a16="http://schemas.microsoft.com/office/drawing/2014/main" id="{EF5385F7-580E-449B-8EA6-FD0ED5DB0969}"/>
-              </a:ext>
-            </a:extLst>
-          </p:cNvPr>
-          <p:cNvSpPr>
-            <a:spLocks noGrp="1"/>
-          </p:cNvSpPr>
-          <p:nvPr>
-            <p:ph type="subTitle" idx="1"/>
-          </p:nvPr>
-        </p:nvSpPr>
-        <p:spPr>
-          <a:xfrm>
-            <a:off x="1276055" y="3990546"/>
-            <a:ext cx="4775075" cy="559656"/>
-          </a:xfrm>
-        </p:spPr>
-        <p:txBody>
-          <a:bodyPr>
-            <a:normAutofit fontScale="92500" lnSpcReduction="20000"/>
-          </a:bodyPr>
-          <a:lstStyle/>
-          <a:p>
-            <a:r>
-              <a:rPr lang="nl-NL" dirty="0">
-                <a:solidFill>
-                  <a:schemeClr val="tx1"/>
-                </a:solidFill>
-              </a:rPr>
-              <a:t>Julian van Noordennen – 2127530</a:t>
-            </a:r>
-          </a:p>
-          <a:p>
-            <a:r>
-              <a:rPr lang="nl-NL" dirty="0">
-                <a:solidFill>
-                  <a:schemeClr val="tx1"/>
-                </a:solidFill>
-              </a:rPr>
-              <a:t>Thomas de Lange - 2125564</a:t>
-            </a:r>
-          </a:p>
-        </p:txBody>
-      </p:sp>
-    </p:spTree>
-    <p:extLst>
-      <p:ext uri="{BB962C8B-B14F-4D97-AF65-F5344CB8AC3E}">
-        <p14:creationId xmlns:p14="http://schemas.microsoft.com/office/powerpoint/2010/main" val="3478366512"/>
-      </p:ext>
-    </p:extLst>
-  </p:cSld>
-  <p:clrMapOvr>
-    <a:overrideClrMapping bg1="dk1" tx1="lt1" bg2="dk2" tx2="lt2" accent1="accent1" accent2="accent2" accent3="accent3" accent4="accent4" accent5="accent5" accent6="accent6" hlink="hlink" folHlink="folHlink"/>
-  </p:clrMapOvr>
-</p:sld>
-</file>
-
-<file path=ppt/slides/slide20.xml><?xml version="1.0" encoding="utf-8"?>
+<file path=ppt/slides/slide19.xml><?xml version="1.0" encoding="utf-8"?>
 <p:sld xmlns:a="http://schemas.openxmlformats.org/drawingml/2006/main" xmlns:r="http://schemas.openxmlformats.org/officeDocument/2006/relationships" xmlns:p="http://schemas.openxmlformats.org/presentationml/2006/main">
   <p:cSld>
     <p:spTree>
@@ -13803,7 +13540,7 @@
           <a:lstStyle/>
           <a:p>
             <a:r>
-              <a:rPr lang="nl-NL" dirty="0"/>
+              <a:rPr lang="nl-NL"/>
               <a:t>Testresultaten</a:t>
             </a:r>
           </a:p>
@@ -16490,7 +16227,435 @@
 </p:sld>
 </file>
 
-<file path=ppt/slides/slide21.xml><?xml version="1.0" encoding="utf-8"?>
+<file path=ppt/slides/slide2.xml><?xml version="1.0" encoding="utf-8"?>
+<p:sld xmlns:a="http://schemas.openxmlformats.org/drawingml/2006/main" xmlns:r="http://schemas.openxmlformats.org/officeDocument/2006/relationships" xmlns:p="http://schemas.openxmlformats.org/presentationml/2006/main">
+  <p:cSld>
+    <p:bg>
+      <p:bgPr>
+        <a:solidFill>
+          <a:schemeClr val="bg1"/>
+        </a:solidFill>
+        <a:effectLst/>
+      </p:bgPr>
+    </p:bg>
+    <p:spTree>
+      <p:nvGrpSpPr>
+        <p:cNvPr id="1" name=""/>
+        <p:cNvGrpSpPr/>
+        <p:nvPr/>
+      </p:nvGrpSpPr>
+      <p:grpSpPr>
+        <a:xfrm>
+          <a:off x="0" y="0"/>
+          <a:ext cx="0" cy="0"/>
+          <a:chOff x="0" y="0"/>
+          <a:chExt cx="0" cy="0"/>
+        </a:xfrm>
+      </p:grpSpPr>
+      <p:sp>
+        <p:nvSpPr>
+          <p:cNvPr id="23" name="Rectangle 7">
+            <a:extLst>
+              <a:ext uri="{FF2B5EF4-FFF2-40B4-BE49-F238E27FC236}">
+                <a16:creationId xmlns:a16="http://schemas.microsoft.com/office/drawing/2014/main" id="{A009E310-C7C2-4F23-B466-4417C8ED3B99}"/>
+              </a:ext>
+              <a:ext uri="{C183D7F6-B498-43B3-948B-1728B52AA6E4}">
+                <adec:decorative xmlns:adec="http://schemas.microsoft.com/office/drawing/2017/decorative" val="1"/>
+              </a:ext>
+            </a:extLst>
+          </p:cNvPr>
+          <p:cNvSpPr>
+            <a:spLocks noGrp="1" noRot="1" noChangeAspect="1" noMove="1" noResize="1" noEditPoints="1" noAdjustHandles="1" noChangeArrowheads="1" noChangeShapeType="1" noTextEdit="1"/>
+          </p:cNvSpPr>
+          <p:nvPr>
+            <p:extLst>
+              <p:ext uri="{386F3935-93C4-4BCD-93E2-E3B085C9AB24}">
+                <p16:designElem xmlns:p16="http://schemas.microsoft.com/office/powerpoint/2015/main" val="1"/>
+              </p:ext>
+            </p:extLst>
+          </p:nvPr>
+        </p:nvSpPr>
+        <p:spPr>
+          <a:xfrm>
+            <a:off x="0" y="0"/>
+            <a:ext cx="12192001" cy="6858000"/>
+          </a:xfrm>
+          <a:prstGeom prst="rect">
+            <a:avLst/>
+          </a:prstGeom>
+          <a:solidFill>
+            <a:srgbClr val="595959"/>
+          </a:solidFill>
+          <a:ln>
+            <a:noFill/>
+          </a:ln>
+        </p:spPr>
+        <p:style>
+          <a:lnRef idx="2">
+            <a:schemeClr val="accent1">
+              <a:shade val="50000"/>
+            </a:schemeClr>
+          </a:lnRef>
+          <a:fillRef idx="1">
+            <a:schemeClr val="accent1"/>
+          </a:fillRef>
+          <a:effectRef idx="0">
+            <a:schemeClr val="accent1"/>
+          </a:effectRef>
+          <a:fontRef idx="minor">
+            <a:schemeClr val="lt1"/>
+          </a:fontRef>
+        </p:style>
+        <p:txBody>
+          <a:bodyPr rot="0" spcFirstLastPara="0" vert="horz" wrap="square" lIns="91440" tIns="45720" rIns="91440" bIns="45720" numCol="1" spcCol="0" rtlCol="0" fromWordArt="0" anchor="ctr" anchorCtr="0" forceAA="0" compatLnSpc="1">
+            <a:prstTxWarp prst="textNoShape">
+              <a:avLst/>
+            </a:prstTxWarp>
+            <a:noAutofit/>
+          </a:bodyPr>
+          <a:lstStyle>
+            <a:defPPr>
+              <a:defRPr lang="en-US"/>
+            </a:defPPr>
+            <a:lvl1pPr marL="0" algn="l" defTabSz="914400" rtl="0" eaLnBrk="1" latinLnBrk="0" hangingPunct="1">
+              <a:defRPr sz="1800" kern="1200">
+                <a:solidFill>
+                  <a:schemeClr val="lt1"/>
+                </a:solidFill>
+                <a:latin typeface="+mn-lt"/>
+                <a:ea typeface="+mn-ea"/>
+                <a:cs typeface="+mn-cs"/>
+              </a:defRPr>
+            </a:lvl1pPr>
+            <a:lvl2pPr marL="457200" algn="l" defTabSz="914400" rtl="0" eaLnBrk="1" latinLnBrk="0" hangingPunct="1">
+              <a:defRPr sz="1800" kern="1200">
+                <a:solidFill>
+                  <a:schemeClr val="lt1"/>
+                </a:solidFill>
+                <a:latin typeface="+mn-lt"/>
+                <a:ea typeface="+mn-ea"/>
+                <a:cs typeface="+mn-cs"/>
+              </a:defRPr>
+            </a:lvl2pPr>
+            <a:lvl3pPr marL="914400" algn="l" defTabSz="914400" rtl="0" eaLnBrk="1" latinLnBrk="0" hangingPunct="1">
+              <a:defRPr sz="1800" kern="1200">
+                <a:solidFill>
+                  <a:schemeClr val="lt1"/>
+                </a:solidFill>
+                <a:latin typeface="+mn-lt"/>
+                <a:ea typeface="+mn-ea"/>
+                <a:cs typeface="+mn-cs"/>
+              </a:defRPr>
+            </a:lvl3pPr>
+            <a:lvl4pPr marL="1371600" algn="l" defTabSz="914400" rtl="0" eaLnBrk="1" latinLnBrk="0" hangingPunct="1">
+              <a:defRPr sz="1800" kern="1200">
+                <a:solidFill>
+                  <a:schemeClr val="lt1"/>
+                </a:solidFill>
+                <a:latin typeface="+mn-lt"/>
+                <a:ea typeface="+mn-ea"/>
+                <a:cs typeface="+mn-cs"/>
+              </a:defRPr>
+            </a:lvl4pPr>
+            <a:lvl5pPr marL="1828800" algn="l" defTabSz="914400" rtl="0" eaLnBrk="1" latinLnBrk="0" hangingPunct="1">
+              <a:defRPr sz="1800" kern="1200">
+                <a:solidFill>
+                  <a:schemeClr val="lt1"/>
+                </a:solidFill>
+                <a:latin typeface="+mn-lt"/>
+                <a:ea typeface="+mn-ea"/>
+                <a:cs typeface="+mn-cs"/>
+              </a:defRPr>
+            </a:lvl5pPr>
+            <a:lvl6pPr marL="2286000" algn="l" defTabSz="914400" rtl="0" eaLnBrk="1" latinLnBrk="0" hangingPunct="1">
+              <a:defRPr sz="1800" kern="1200">
+                <a:solidFill>
+                  <a:schemeClr val="lt1"/>
+                </a:solidFill>
+                <a:latin typeface="+mn-lt"/>
+                <a:ea typeface="+mn-ea"/>
+                <a:cs typeface="+mn-cs"/>
+              </a:defRPr>
+            </a:lvl6pPr>
+            <a:lvl7pPr marL="2743200" algn="l" defTabSz="914400" rtl="0" eaLnBrk="1" latinLnBrk="0" hangingPunct="1">
+              <a:defRPr sz="1800" kern="1200">
+                <a:solidFill>
+                  <a:schemeClr val="lt1"/>
+                </a:solidFill>
+                <a:latin typeface="+mn-lt"/>
+                <a:ea typeface="+mn-ea"/>
+                <a:cs typeface="+mn-cs"/>
+              </a:defRPr>
+            </a:lvl7pPr>
+            <a:lvl8pPr marL="3200400" algn="l" defTabSz="914400" rtl="0" eaLnBrk="1" latinLnBrk="0" hangingPunct="1">
+              <a:defRPr sz="1800" kern="1200">
+                <a:solidFill>
+                  <a:schemeClr val="lt1"/>
+                </a:solidFill>
+                <a:latin typeface="+mn-lt"/>
+                <a:ea typeface="+mn-ea"/>
+                <a:cs typeface="+mn-cs"/>
+              </a:defRPr>
+            </a:lvl8pPr>
+            <a:lvl9pPr marL="3657600" algn="l" defTabSz="914400" rtl="0" eaLnBrk="1" latinLnBrk="0" hangingPunct="1">
+              <a:defRPr sz="1800" kern="1200">
+                <a:solidFill>
+                  <a:schemeClr val="lt1"/>
+                </a:solidFill>
+                <a:latin typeface="+mn-lt"/>
+                <a:ea typeface="+mn-ea"/>
+                <a:cs typeface="+mn-cs"/>
+              </a:defRPr>
+            </a:lvl9pPr>
+          </a:lstStyle>
+          <a:p>
+            <a:pPr algn="ctr"/>
+            <a:endParaRPr lang="en-US"/>
+          </a:p>
+        </p:txBody>
+      </p:sp>
+      <p:sp>
+        <p:nvSpPr>
+          <p:cNvPr id="24" name="Rectangle 9">
+            <a:extLst>
+              <a:ext uri="{FF2B5EF4-FFF2-40B4-BE49-F238E27FC236}">
+                <a16:creationId xmlns:a16="http://schemas.microsoft.com/office/drawing/2014/main" id="{A4C31FF5-F97E-4082-BFC5-A880DB9F3F00}"/>
+              </a:ext>
+              <a:ext uri="{C183D7F6-B498-43B3-948B-1728B52AA6E4}">
+                <adec:decorative xmlns:adec="http://schemas.microsoft.com/office/drawing/2017/decorative" val="1"/>
+              </a:ext>
+            </a:extLst>
+          </p:cNvPr>
+          <p:cNvSpPr>
+            <a:spLocks noGrp="1" noRot="1" noChangeAspect="1" noMove="1" noResize="1" noEditPoints="1" noAdjustHandles="1" noChangeArrowheads="1" noChangeShapeType="1" noTextEdit="1"/>
+          </p:cNvSpPr>
+          <p:nvPr>
+            <p:extLst>
+              <p:ext uri="{386F3935-93C4-4BCD-93E2-E3B085C9AB24}">
+                <p16:designElem xmlns:p16="http://schemas.microsoft.com/office/powerpoint/2015/main" val="1"/>
+              </p:ext>
+            </p:extLst>
+          </p:nvPr>
+        </p:nvSpPr>
+        <p:spPr>
+          <a:xfrm>
+            <a:off x="3201150" y="457200"/>
+            <a:ext cx="8533646" cy="5943603"/>
+          </a:xfrm>
+          <a:prstGeom prst="rect">
+            <a:avLst/>
+          </a:prstGeom>
+          <a:solidFill>
+            <a:srgbClr val="FFFFFF"/>
+          </a:solidFill>
+          <a:ln w="6350" cap="flat" cmpd="sng" algn="ctr">
+            <a:noFill/>
+            <a:prstDash val="solid"/>
+          </a:ln>
+          <a:effectLst>
+            <a:outerShdw blurRad="50800" algn="ctr" rotWithShape="0">
+              <a:prstClr val="black">
+                <a:alpha val="66000"/>
+              </a:prstClr>
+            </a:outerShdw>
+            <a:softEdge rad="0"/>
+          </a:effectLst>
+        </p:spPr>
+      </p:sp>
+      <p:sp>
+        <p:nvSpPr>
+          <p:cNvPr id="25" name="Rectangle 11">
+            <a:extLst>
+              <a:ext uri="{FF2B5EF4-FFF2-40B4-BE49-F238E27FC236}">
+                <a16:creationId xmlns:a16="http://schemas.microsoft.com/office/drawing/2014/main" id="{6015B4CE-42DE-4E9B-B800-B5B8142E6FCB}"/>
+              </a:ext>
+              <a:ext uri="{C183D7F6-B498-43B3-948B-1728B52AA6E4}">
+                <adec:decorative xmlns:adec="http://schemas.microsoft.com/office/drawing/2017/decorative" val="1"/>
+              </a:ext>
+            </a:extLst>
+          </p:cNvPr>
+          <p:cNvSpPr>
+            <a:spLocks noGrp="1" noRot="1" noChangeAspect="1" noMove="1" noResize="1" noEditPoints="1" noAdjustHandles="1" noChangeArrowheads="1" noChangeShapeType="1" noTextEdit="1"/>
+          </p:cNvSpPr>
+          <p:nvPr>
+            <p:extLst>
+              <p:ext uri="{386F3935-93C4-4BCD-93E2-E3B085C9AB24}">
+                <p16:designElem xmlns:p16="http://schemas.microsoft.com/office/powerpoint/2015/main" val="1"/>
+              </p:ext>
+            </p:extLst>
+          </p:nvPr>
+        </p:nvSpPr>
+        <p:spPr>
+          <a:xfrm>
+            <a:off x="3372467" y="621793"/>
+            <a:ext cx="8198780" cy="5614416"/>
+          </a:xfrm>
+          <a:prstGeom prst="rect">
+            <a:avLst/>
+          </a:prstGeom>
+          <a:solidFill>
+            <a:schemeClr val="bg1">
+              <a:lumMod val="75000"/>
+              <a:alpha val="60000"/>
+            </a:schemeClr>
+          </a:solidFill>
+          <a:ln w="6350" cap="sq" cmpd="sng" algn="ctr">
+            <a:noFill/>
+            <a:prstDash val="solid"/>
+            <a:miter lim="800000"/>
+          </a:ln>
+          <a:effectLst/>
+        </p:spPr>
+      </p:sp>
+      <p:sp>
+        <p:nvSpPr>
+          <p:cNvPr id="2" name="Title 1">
+            <a:extLst>
+              <a:ext uri="{FF2B5EF4-FFF2-40B4-BE49-F238E27FC236}">
+                <a16:creationId xmlns:a16="http://schemas.microsoft.com/office/drawing/2014/main" id="{D60E9A8A-5D56-40AC-BE4C-C8299A4A5052}"/>
+              </a:ext>
+            </a:extLst>
+          </p:cNvPr>
+          <p:cNvSpPr>
+            <a:spLocks noGrp="1"/>
+          </p:cNvSpPr>
+          <p:nvPr>
+            <p:ph type="title"/>
+          </p:nvPr>
+        </p:nvSpPr>
+        <p:spPr>
+          <a:xfrm>
+            <a:off x="3844616" y="881210"/>
+            <a:ext cx="7417925" cy="1517035"/>
+          </a:xfrm>
+        </p:spPr>
+        <p:txBody>
+          <a:bodyPr>
+            <a:normAutofit/>
+          </a:bodyPr>
+          <a:lstStyle/>
+          <a:p>
+            <a:r>
+              <a:rPr lang="nl-NL">
+                <a:solidFill>
+                  <a:schemeClr val="tx1"/>
+                </a:solidFill>
+              </a:rPr>
+              <a:t>Inhoudsopgave</a:t>
+            </a:r>
+          </a:p>
+        </p:txBody>
+      </p:sp>
+      <p:sp>
+        <p:nvSpPr>
+          <p:cNvPr id="3" name="Content Placeholder 2">
+            <a:extLst>
+              <a:ext uri="{FF2B5EF4-FFF2-40B4-BE49-F238E27FC236}">
+                <a16:creationId xmlns:a16="http://schemas.microsoft.com/office/drawing/2014/main" id="{A5E102D2-219A-49BE-82AB-CED3394BA820}"/>
+              </a:ext>
+            </a:extLst>
+          </p:cNvPr>
+          <p:cNvSpPr>
+            <a:spLocks noGrp="1"/>
+          </p:cNvSpPr>
+          <p:nvPr>
+            <p:ph idx="1"/>
+          </p:nvPr>
+        </p:nvSpPr>
+        <p:spPr>
+          <a:xfrm>
+            <a:off x="3844616" y="2626840"/>
+            <a:ext cx="7245103" cy="3131777"/>
+          </a:xfrm>
+        </p:spPr>
+        <p:txBody>
+          <a:bodyPr vert="horz" lIns="91440" tIns="45720" rIns="91440" bIns="45720" rtlCol="0" anchor="t">
+            <a:normAutofit fontScale="92500" lnSpcReduction="20000"/>
+          </a:bodyPr>
+          <a:lstStyle/>
+          <a:p>
+            <a:r>
+              <a:rPr lang="nl-NL" dirty="0"/>
+              <a:t>Intro</a:t>
+            </a:r>
+          </a:p>
+          <a:p>
+            <a:r>
+              <a:rPr lang="nl-NL" dirty="0"/>
+              <a:t>Context</a:t>
+            </a:r>
+          </a:p>
+          <a:p>
+            <a:r>
+              <a:rPr lang="nl-NL" dirty="0"/>
+              <a:t>Doel</a:t>
+            </a:r>
+          </a:p>
+          <a:p>
+            <a:r>
+              <a:rPr lang="nl-NL" dirty="0"/>
+              <a:t>Casus</a:t>
+            </a:r>
+          </a:p>
+          <a:p>
+            <a:r>
+              <a:rPr lang="nl-NL" dirty="0"/>
+              <a:t>Architectuur</a:t>
+            </a:r>
+          </a:p>
+          <a:p>
+            <a:r>
+              <a:rPr lang="nl-NL" dirty="0"/>
+              <a:t>Design</a:t>
+            </a:r>
+          </a:p>
+          <a:p>
+            <a:r>
+              <a:rPr lang="nl-NL" dirty="0"/>
+              <a:t>Demo</a:t>
+            </a:r>
+          </a:p>
+          <a:p>
+            <a:r>
+              <a:rPr lang="nl-NL" dirty="0"/>
+              <a:t>Testresultaten</a:t>
+            </a:r>
+          </a:p>
+          <a:p>
+            <a:r>
+              <a:rPr lang="nl-NL" dirty="0"/>
+              <a:t>Conclusie</a:t>
+            </a:r>
+          </a:p>
+          <a:p>
+            <a:r>
+              <a:rPr lang="nl-NL"/>
+              <a:t>Reflectie</a:t>
+            </a:r>
+            <a:endParaRPr lang="nl-NL" dirty="0"/>
+          </a:p>
+          <a:p>
+            <a:pPr marL="0" indent="0">
+              <a:buNone/>
+            </a:pPr>
+            <a:endParaRPr lang="nl-NL" dirty="0"/>
+          </a:p>
+        </p:txBody>
+      </p:sp>
+    </p:spTree>
+    <p:extLst>
+      <p:ext uri="{BB962C8B-B14F-4D97-AF65-F5344CB8AC3E}">
+        <p14:creationId xmlns:p14="http://schemas.microsoft.com/office/powerpoint/2010/main" val="2270156473"/>
+      </p:ext>
+    </p:extLst>
+  </p:cSld>
+  <p:clrMapOvr>
+    <a:masterClrMapping/>
+  </p:clrMapOvr>
+</p:sld>
+</file>
+
+<file path=ppt/slides/slide20.xml><?xml version="1.0" encoding="utf-8"?>
 <p:sld xmlns:a="http://schemas.openxmlformats.org/drawingml/2006/main" xmlns:r="http://schemas.openxmlformats.org/officeDocument/2006/relationships" xmlns:p="http://schemas.openxmlformats.org/presentationml/2006/main">
   <p:cSld>
     <p:spTree>
@@ -17727,7 +17892,7 @@
 </p:sld>
 </file>
 
-<file path=ppt/slides/slide22.xml><?xml version="1.0" encoding="utf-8"?>
+<file path=ppt/slides/slide21.xml><?xml version="1.0" encoding="utf-8"?>
 <p:sld xmlns:a="http://schemas.openxmlformats.org/drawingml/2006/main" xmlns:r="http://schemas.openxmlformats.org/officeDocument/2006/relationships" xmlns:p="http://schemas.openxmlformats.org/presentationml/2006/main">
   <p:cSld>
     <p:spTree>
@@ -17766,7 +17931,7 @@
           <a:lstStyle/>
           <a:p>
             <a:r>
-              <a:rPr lang="nl-NL" dirty="0"/>
+              <a:rPr lang="nl-NL"/>
               <a:t>Conclusie</a:t>
             </a:r>
           </a:p>
@@ -17892,11 +18057,11 @@
           </a:bodyPr>
           <a:lstStyle/>
           <a:p>
-            <a:endParaRPr lang="nl-NL" sz="2400" dirty="0"/>
+            <a:endParaRPr lang="nl-NL" sz="2400"/>
           </a:p>
           <a:p>
             <a:r>
-              <a:rPr lang="nl-NL" sz="2400" dirty="0" err="1"/>
+              <a:rPr lang="nl-NL" sz="2400" err="1"/>
               <a:t>Modularity</a:t>
             </a:r>
           </a:p>
@@ -17939,10 +18104,10 @@
           <a:p>
             <a:pPr algn="r"/>
             <a:r>
-              <a:rPr lang="nl-NL" sz="2400" dirty="0" err="1"/>
+              <a:rPr lang="nl-NL" sz="2400" err="1"/>
               <a:t>Reusability</a:t>
             </a:r>
-            <a:endParaRPr lang="nl-NL" sz="2400" dirty="0"/>
+            <a:endParaRPr lang="nl-NL" sz="2400"/>
           </a:p>
           <a:p>
             <a:pPr algn="r"/>
@@ -17950,7 +18115,7 @@
               <a:rPr lang="nl-NL" sz="2400" err="1"/>
               <a:t>Testability</a:t>
             </a:r>
-            <a:endParaRPr lang="nl-NL" sz="2400" dirty="0"/>
+            <a:endParaRPr lang="nl-NL" sz="2400"/>
           </a:p>
         </p:txBody>
       </p:sp>
@@ -18016,17 +18181,9 @@
 </p:sld>
 </file>
 
-<file path=ppt/slides/slide3.xml><?xml version="1.0" encoding="utf-8"?>
+<file path=ppt/slides/slide22.xml><?xml version="1.0" encoding="utf-8"?>
 <p:sld xmlns:a="http://schemas.openxmlformats.org/drawingml/2006/main" xmlns:r="http://schemas.openxmlformats.org/officeDocument/2006/relationships" xmlns:p="http://schemas.openxmlformats.org/presentationml/2006/main">
   <p:cSld>
-    <p:bg>
-      <p:bgPr>
-        <a:solidFill>
-          <a:schemeClr val="bg1"/>
-        </a:solidFill>
-        <a:effectLst/>
-      </p:bgPr>
-    </p:bg>
     <p:spTree>
       <p:nvGrpSpPr>
         <p:cNvPr id="1" name=""/>
@@ -18043,265 +18200,10 @@
       </p:grpSpPr>
       <p:sp>
         <p:nvSpPr>
-          <p:cNvPr id="23" name="Rectangle 7">
-            <a:extLst>
-              <a:ext uri="{FF2B5EF4-FFF2-40B4-BE49-F238E27FC236}">
-                <a16:creationId xmlns:a16="http://schemas.microsoft.com/office/drawing/2014/main" id="{A009E310-C7C2-4F23-B466-4417C8ED3B99}"/>
-              </a:ext>
-              <a:ext uri="{C183D7F6-B498-43B3-948B-1728B52AA6E4}">
-                <adec:decorative xmlns:adec="http://schemas.microsoft.com/office/drawing/2017/decorative" val="1"/>
-              </a:ext>
-            </a:extLst>
-          </p:cNvPr>
-          <p:cNvSpPr>
-            <a:spLocks noGrp="1" noRot="1" noChangeAspect="1" noMove="1" noResize="1" noEditPoints="1" noAdjustHandles="1" noChangeArrowheads="1" noChangeShapeType="1" noTextEdit="1"/>
-          </p:cNvSpPr>
-          <p:nvPr>
-            <p:extLst>
-              <p:ext uri="{386F3935-93C4-4BCD-93E2-E3B085C9AB24}">
-                <p16:designElem xmlns:p16="http://schemas.microsoft.com/office/powerpoint/2015/main" val="1"/>
-              </p:ext>
-            </p:extLst>
-          </p:nvPr>
-        </p:nvSpPr>
-        <p:spPr>
-          <a:xfrm>
-            <a:off x="0" y="0"/>
-            <a:ext cx="12192001" cy="6858000"/>
-          </a:xfrm>
-          <a:prstGeom prst="rect">
-            <a:avLst/>
-          </a:prstGeom>
-          <a:solidFill>
-            <a:srgbClr val="595959"/>
-          </a:solidFill>
-          <a:ln>
-            <a:noFill/>
-          </a:ln>
-        </p:spPr>
-        <p:style>
-          <a:lnRef idx="2">
-            <a:schemeClr val="accent1">
-              <a:shade val="50000"/>
-            </a:schemeClr>
-          </a:lnRef>
-          <a:fillRef idx="1">
-            <a:schemeClr val="accent1"/>
-          </a:fillRef>
-          <a:effectRef idx="0">
-            <a:schemeClr val="accent1"/>
-          </a:effectRef>
-          <a:fontRef idx="minor">
-            <a:schemeClr val="lt1"/>
-          </a:fontRef>
-        </p:style>
-        <p:txBody>
-          <a:bodyPr rot="0" spcFirstLastPara="0" vert="horz" wrap="square" lIns="91440" tIns="45720" rIns="91440" bIns="45720" numCol="1" spcCol="0" rtlCol="0" fromWordArt="0" anchor="ctr" anchorCtr="0" forceAA="0" compatLnSpc="1">
-            <a:prstTxWarp prst="textNoShape">
-              <a:avLst/>
-            </a:prstTxWarp>
-            <a:noAutofit/>
-          </a:bodyPr>
-          <a:lstStyle>
-            <a:defPPr>
-              <a:defRPr lang="en-US"/>
-            </a:defPPr>
-            <a:lvl1pPr marL="0" algn="l" defTabSz="914400" rtl="0" eaLnBrk="1" latinLnBrk="0" hangingPunct="1">
-              <a:defRPr sz="1800" kern="1200">
-                <a:solidFill>
-                  <a:schemeClr val="lt1"/>
-                </a:solidFill>
-                <a:latin typeface="+mn-lt"/>
-                <a:ea typeface="+mn-ea"/>
-                <a:cs typeface="+mn-cs"/>
-              </a:defRPr>
-            </a:lvl1pPr>
-            <a:lvl2pPr marL="457200" algn="l" defTabSz="914400" rtl="0" eaLnBrk="1" latinLnBrk="0" hangingPunct="1">
-              <a:defRPr sz="1800" kern="1200">
-                <a:solidFill>
-                  <a:schemeClr val="lt1"/>
-                </a:solidFill>
-                <a:latin typeface="+mn-lt"/>
-                <a:ea typeface="+mn-ea"/>
-                <a:cs typeface="+mn-cs"/>
-              </a:defRPr>
-            </a:lvl2pPr>
-            <a:lvl3pPr marL="914400" algn="l" defTabSz="914400" rtl="0" eaLnBrk="1" latinLnBrk="0" hangingPunct="1">
-              <a:defRPr sz="1800" kern="1200">
-                <a:solidFill>
-                  <a:schemeClr val="lt1"/>
-                </a:solidFill>
-                <a:latin typeface="+mn-lt"/>
-                <a:ea typeface="+mn-ea"/>
-                <a:cs typeface="+mn-cs"/>
-              </a:defRPr>
-            </a:lvl3pPr>
-            <a:lvl4pPr marL="1371600" algn="l" defTabSz="914400" rtl="0" eaLnBrk="1" latinLnBrk="0" hangingPunct="1">
-              <a:defRPr sz="1800" kern="1200">
-                <a:solidFill>
-                  <a:schemeClr val="lt1"/>
-                </a:solidFill>
-                <a:latin typeface="+mn-lt"/>
-                <a:ea typeface="+mn-ea"/>
-                <a:cs typeface="+mn-cs"/>
-              </a:defRPr>
-            </a:lvl4pPr>
-            <a:lvl5pPr marL="1828800" algn="l" defTabSz="914400" rtl="0" eaLnBrk="1" latinLnBrk="0" hangingPunct="1">
-              <a:defRPr sz="1800" kern="1200">
-                <a:solidFill>
-                  <a:schemeClr val="lt1"/>
-                </a:solidFill>
-                <a:latin typeface="+mn-lt"/>
-                <a:ea typeface="+mn-ea"/>
-                <a:cs typeface="+mn-cs"/>
-              </a:defRPr>
-            </a:lvl5pPr>
-            <a:lvl6pPr marL="2286000" algn="l" defTabSz="914400" rtl="0" eaLnBrk="1" latinLnBrk="0" hangingPunct="1">
-              <a:defRPr sz="1800" kern="1200">
-                <a:solidFill>
-                  <a:schemeClr val="lt1"/>
-                </a:solidFill>
-                <a:latin typeface="+mn-lt"/>
-                <a:ea typeface="+mn-ea"/>
-                <a:cs typeface="+mn-cs"/>
-              </a:defRPr>
-            </a:lvl6pPr>
-            <a:lvl7pPr marL="2743200" algn="l" defTabSz="914400" rtl="0" eaLnBrk="1" latinLnBrk="0" hangingPunct="1">
-              <a:defRPr sz="1800" kern="1200">
-                <a:solidFill>
-                  <a:schemeClr val="lt1"/>
-                </a:solidFill>
-                <a:latin typeface="+mn-lt"/>
-                <a:ea typeface="+mn-ea"/>
-                <a:cs typeface="+mn-cs"/>
-              </a:defRPr>
-            </a:lvl7pPr>
-            <a:lvl8pPr marL="3200400" algn="l" defTabSz="914400" rtl="0" eaLnBrk="1" latinLnBrk="0" hangingPunct="1">
-              <a:defRPr sz="1800" kern="1200">
-                <a:solidFill>
-                  <a:schemeClr val="lt1"/>
-                </a:solidFill>
-                <a:latin typeface="+mn-lt"/>
-                <a:ea typeface="+mn-ea"/>
-                <a:cs typeface="+mn-cs"/>
-              </a:defRPr>
-            </a:lvl8pPr>
-            <a:lvl9pPr marL="3657600" algn="l" defTabSz="914400" rtl="0" eaLnBrk="1" latinLnBrk="0" hangingPunct="1">
-              <a:defRPr sz="1800" kern="1200">
-                <a:solidFill>
-                  <a:schemeClr val="lt1"/>
-                </a:solidFill>
-                <a:latin typeface="+mn-lt"/>
-                <a:ea typeface="+mn-ea"/>
-                <a:cs typeface="+mn-cs"/>
-              </a:defRPr>
-            </a:lvl9pPr>
-          </a:lstStyle>
-          <a:p>
-            <a:pPr algn="ctr"/>
-            <a:endParaRPr lang="en-US"/>
-          </a:p>
-        </p:txBody>
-      </p:sp>
-      <p:sp>
-        <p:nvSpPr>
-          <p:cNvPr id="24" name="Rectangle 9">
-            <a:extLst>
-              <a:ext uri="{FF2B5EF4-FFF2-40B4-BE49-F238E27FC236}">
-                <a16:creationId xmlns:a16="http://schemas.microsoft.com/office/drawing/2014/main" id="{A4C31FF5-F97E-4082-BFC5-A880DB9F3F00}"/>
-              </a:ext>
-              <a:ext uri="{C183D7F6-B498-43B3-948B-1728B52AA6E4}">
-                <adec:decorative xmlns:adec="http://schemas.microsoft.com/office/drawing/2017/decorative" val="1"/>
-              </a:ext>
-            </a:extLst>
-          </p:cNvPr>
-          <p:cNvSpPr>
-            <a:spLocks noGrp="1" noRot="1" noChangeAspect="1" noMove="1" noResize="1" noEditPoints="1" noAdjustHandles="1" noChangeArrowheads="1" noChangeShapeType="1" noTextEdit="1"/>
-          </p:cNvSpPr>
-          <p:nvPr>
-            <p:extLst>
-              <p:ext uri="{386F3935-93C4-4BCD-93E2-E3B085C9AB24}">
-                <p16:designElem xmlns:p16="http://schemas.microsoft.com/office/powerpoint/2015/main" val="1"/>
-              </p:ext>
-            </p:extLst>
-          </p:nvPr>
-        </p:nvSpPr>
-        <p:spPr>
-          <a:xfrm>
-            <a:off x="3201150" y="457200"/>
-            <a:ext cx="8533646" cy="5943603"/>
-          </a:xfrm>
-          <a:prstGeom prst="rect">
-            <a:avLst/>
-          </a:prstGeom>
-          <a:solidFill>
-            <a:srgbClr val="FFFFFF"/>
-          </a:solidFill>
-          <a:ln w="6350" cap="flat" cmpd="sng" algn="ctr">
-            <a:noFill/>
-            <a:prstDash val="solid"/>
-          </a:ln>
-          <a:effectLst>
-            <a:outerShdw blurRad="50800" algn="ctr" rotWithShape="0">
-              <a:prstClr val="black">
-                <a:alpha val="66000"/>
-              </a:prstClr>
-            </a:outerShdw>
-            <a:softEdge rad="0"/>
-          </a:effectLst>
-        </p:spPr>
-      </p:sp>
-      <p:sp>
-        <p:nvSpPr>
-          <p:cNvPr id="25" name="Rectangle 11">
-            <a:extLst>
-              <a:ext uri="{FF2B5EF4-FFF2-40B4-BE49-F238E27FC236}">
-                <a16:creationId xmlns:a16="http://schemas.microsoft.com/office/drawing/2014/main" id="{6015B4CE-42DE-4E9B-B800-B5B8142E6FCB}"/>
-              </a:ext>
-              <a:ext uri="{C183D7F6-B498-43B3-948B-1728B52AA6E4}">
-                <adec:decorative xmlns:adec="http://schemas.microsoft.com/office/drawing/2017/decorative" val="1"/>
-              </a:ext>
-            </a:extLst>
-          </p:cNvPr>
-          <p:cNvSpPr>
-            <a:spLocks noGrp="1" noRot="1" noChangeAspect="1" noMove="1" noResize="1" noEditPoints="1" noAdjustHandles="1" noChangeArrowheads="1" noChangeShapeType="1" noTextEdit="1"/>
-          </p:cNvSpPr>
-          <p:nvPr>
-            <p:extLst>
-              <p:ext uri="{386F3935-93C4-4BCD-93E2-E3B085C9AB24}">
-                <p16:designElem xmlns:p16="http://schemas.microsoft.com/office/powerpoint/2015/main" val="1"/>
-              </p:ext>
-            </p:extLst>
-          </p:nvPr>
-        </p:nvSpPr>
-        <p:spPr>
-          <a:xfrm>
-            <a:off x="3372467" y="621793"/>
-            <a:ext cx="8198780" cy="5614416"/>
-          </a:xfrm>
-          <a:prstGeom prst="rect">
-            <a:avLst/>
-          </a:prstGeom>
-          <a:solidFill>
-            <a:schemeClr val="bg1">
-              <a:lumMod val="75000"/>
-              <a:alpha val="60000"/>
-            </a:schemeClr>
-          </a:solidFill>
-          <a:ln w="6350" cap="sq" cmpd="sng" algn="ctr">
-            <a:noFill/>
-            <a:prstDash val="solid"/>
-            <a:miter lim="800000"/>
-          </a:ln>
-          <a:effectLst/>
-        </p:spPr>
-      </p:sp>
-      <p:sp>
-        <p:nvSpPr>
           <p:cNvPr id="2" name="Title 1">
             <a:extLst>
               <a:ext uri="{FF2B5EF4-FFF2-40B4-BE49-F238E27FC236}">
-                <a16:creationId xmlns:a16="http://schemas.microsoft.com/office/drawing/2014/main" id="{D60E9A8A-5D56-40AC-BE4C-C8299A4A5052}"/>
+                <a16:creationId xmlns:a16="http://schemas.microsoft.com/office/drawing/2014/main" id="{4C88860C-D787-41E7-9707-EFFE491F7BE7}"/>
               </a:ext>
             </a:extLst>
           </p:cNvPr>
@@ -18312,25 +18214,14 @@
             <p:ph type="title"/>
           </p:nvPr>
         </p:nvSpPr>
-        <p:spPr>
-          <a:xfrm>
-            <a:off x="3844616" y="881210"/>
-            <a:ext cx="7417925" cy="1517035"/>
-          </a:xfrm>
-        </p:spPr>
+        <p:spPr/>
         <p:txBody>
-          <a:bodyPr>
-            <a:normAutofit/>
-          </a:bodyPr>
+          <a:bodyPr/>
           <a:lstStyle/>
           <a:p>
             <a:r>
-              <a:rPr lang="nl-NL" dirty="0">
-                <a:solidFill>
-                  <a:schemeClr val="tx1"/>
-                </a:solidFill>
-              </a:rPr>
-              <a:t>Inhoudsopgave</a:t>
+              <a:rPr lang="nl-NL"/>
+              <a:t>Reflectie</a:t>
             </a:r>
           </a:p>
         </p:txBody>
@@ -18340,7 +18231,7 @@
           <p:cNvPr id="3" name="Content Placeholder 2">
             <a:extLst>
               <a:ext uri="{FF2B5EF4-FFF2-40B4-BE49-F238E27FC236}">
-                <a16:creationId xmlns:a16="http://schemas.microsoft.com/office/drawing/2014/main" id="{A5E102D2-219A-49BE-82AB-CED3394BA820}"/>
+                <a16:creationId xmlns:a16="http://schemas.microsoft.com/office/drawing/2014/main" id="{5A4C1998-51F0-4F22-85A3-55B10459CD2C}"/>
               </a:ext>
             </a:extLst>
           </p:cNvPr>
@@ -18353,27 +18244,33 @@
         </p:nvSpPr>
         <p:spPr>
           <a:xfrm>
-            <a:off x="3844616" y="2626840"/>
-            <a:ext cx="7245103" cy="3131777"/>
+            <a:off x="1066800" y="2103120"/>
+            <a:ext cx="10058400" cy="3849624"/>
           </a:xfrm>
         </p:spPr>
         <p:txBody>
-          <a:bodyPr>
+          <a:bodyPr vert="horz" lIns="91440" tIns="45720" rIns="91440" bIns="45720" rtlCol="0" anchor="t">
             <a:normAutofit/>
           </a:bodyPr>
           <a:lstStyle/>
           <a:p>
             <a:r>
-              <a:rPr lang="nl-NL" dirty="0"/>
-              <a:t>- ???</a:t>
+              <a:rPr lang="nl-NL"/>
+              <a:t>Applicatie had groter gemogen</a:t>
             </a:r>
+          </a:p>
+          <a:p>
+            <a:endParaRPr lang="nl-NL" dirty="0"/>
+          </a:p>
+          <a:p>
+            <a:endParaRPr lang="nl-NL"/>
           </a:p>
         </p:txBody>
       </p:sp>
     </p:spTree>
     <p:extLst>
       <p:ext uri="{BB962C8B-B14F-4D97-AF65-F5344CB8AC3E}">
-        <p14:creationId xmlns:p14="http://schemas.microsoft.com/office/powerpoint/2010/main" val="2270156473"/>
+        <p14:creationId xmlns:p14="http://schemas.microsoft.com/office/powerpoint/2010/main" val="2869135285"/>
       </p:ext>
     </p:extLst>
   </p:cSld>
@@ -18383,7 +18280,7 @@
 </p:sld>
 </file>
 
-<file path=ppt/slides/slide4.xml><?xml version="1.0" encoding="utf-8"?>
+<file path=ppt/slides/slide3.xml><?xml version="1.0" encoding="utf-8"?>
 <p:sld xmlns:a="http://schemas.openxmlformats.org/drawingml/2006/main" xmlns:r="http://schemas.openxmlformats.org/officeDocument/2006/relationships" xmlns:p="http://schemas.openxmlformats.org/presentationml/2006/main">
   <p:cSld>
     <p:bg>
@@ -18692,7 +18589,7 @@
           <a:lstStyle/>
           <a:p>
             <a:r>
-              <a:rPr lang="nl-NL" dirty="0">
+              <a:rPr lang="nl-NL">
                 <a:solidFill>
                   <a:schemeClr val="tx1"/>
                 </a:solidFill>
@@ -18731,45 +18628,45 @@
           <a:lstStyle/>
           <a:p>
             <a:r>
-              <a:rPr lang="nl-NL" dirty="0"/>
+              <a:rPr lang="nl-NL"/>
               <a:t>Monolithisch</a:t>
             </a:r>
           </a:p>
           <a:p>
             <a:r>
-              <a:rPr lang="nl-NL" dirty="0"/>
+              <a:rPr lang="nl-NL"/>
               <a:t>Applicatie architectuur</a:t>
             </a:r>
           </a:p>
           <a:p>
             <a:r>
-              <a:rPr lang="nl-NL" dirty="0"/>
+              <a:rPr lang="nl-NL"/>
               <a:t>Alle entiteiten in één</a:t>
             </a:r>
           </a:p>
           <a:p>
-            <a:endParaRPr lang="nl-NL" dirty="0"/>
+            <a:endParaRPr lang="nl-NL"/>
           </a:p>
           <a:p>
             <a:r>
-              <a:rPr lang="nl-NL" dirty="0"/>
+              <a:rPr lang="nl-NL"/>
               <a:t>Problemen …</a:t>
             </a:r>
           </a:p>
           <a:p>
             <a:r>
-              <a:rPr lang="nl-NL" dirty="0"/>
+              <a:rPr lang="nl-NL"/>
               <a:t>Groot</a:t>
             </a:r>
           </a:p>
           <a:p>
             <a:r>
-              <a:rPr lang="nl-NL" dirty="0"/>
+              <a:rPr lang="nl-NL"/>
               <a:t>Traag</a:t>
             </a:r>
           </a:p>
           <a:p>
-            <a:endParaRPr lang="nl-NL" dirty="0"/>
+            <a:endParaRPr lang="nl-NL"/>
           </a:p>
         </p:txBody>
       </p:sp>
@@ -18814,7 +18711,7 @@
 </p:sld>
 </file>
 
-<file path=ppt/slides/slide5.xml><?xml version="1.0" encoding="utf-8"?>
+<file path=ppt/slides/slide4.xml><?xml version="1.0" encoding="utf-8"?>
 <p:sld xmlns:a="http://schemas.openxmlformats.org/drawingml/2006/main" xmlns:r="http://schemas.openxmlformats.org/officeDocument/2006/relationships" xmlns:p="http://schemas.openxmlformats.org/presentationml/2006/main">
   <p:cSld>
     <p:bg>
@@ -19123,7 +19020,7 @@
           <a:lstStyle/>
           <a:p>
             <a:r>
-              <a:rPr lang="nl-NL" dirty="0">
+              <a:rPr lang="nl-NL">
                 <a:solidFill>
                   <a:schemeClr val="tx1"/>
                 </a:solidFill>
@@ -19162,7 +19059,7 @@
           <a:lstStyle/>
           <a:p>
             <a:r>
-              <a:rPr lang="nl-NL" dirty="0"/>
+              <a:rPr lang="nl-NL"/>
               <a:t>Oplossing … Microservices architectuur</a:t>
             </a:r>
           </a:p>
@@ -19170,46 +19067,46 @@
             <a:pPr marL="0" indent="0">
               <a:buNone/>
             </a:pPr>
-            <a:endParaRPr lang="nl-NL" dirty="0"/>
+            <a:endParaRPr lang="nl-NL"/>
           </a:p>
           <a:p>
             <a:r>
-              <a:rPr lang="nl-NL" dirty="0"/>
+              <a:rPr lang="nl-NL"/>
               <a:t>Deelapplicaties</a:t>
             </a:r>
           </a:p>
           <a:p>
             <a:r>
-              <a:rPr lang="nl-NL" dirty="0"/>
+              <a:rPr lang="nl-NL"/>
               <a:t>Eigen technologiestack</a:t>
             </a:r>
           </a:p>
           <a:p>
             <a:r>
-              <a:rPr lang="nl-NL" dirty="0"/>
+              <a:rPr lang="nl-NL"/>
               <a:t>Zelf gehost</a:t>
             </a:r>
           </a:p>
           <a:p>
             <a:r>
-              <a:rPr lang="nl-NL" dirty="0"/>
+              <a:rPr lang="nl-NL"/>
               <a:t>Gateway interfacevariaties</a:t>
             </a:r>
           </a:p>
           <a:p>
-            <a:endParaRPr lang="nl-NL" dirty="0"/>
+            <a:endParaRPr lang="nl-NL"/>
           </a:p>
           <a:p>
             <a:r>
-              <a:rPr lang="nl-NL" dirty="0"/>
+              <a:rPr lang="nl-NL"/>
               <a:t>Verlaagt geen complexiteit !</a:t>
             </a:r>
           </a:p>
           <a:p>
-            <a:endParaRPr lang="nl-NL" dirty="0"/>
+            <a:endParaRPr lang="nl-NL"/>
           </a:p>
           <a:p>
-            <a:endParaRPr lang="nl-NL" dirty="0"/>
+            <a:endParaRPr lang="nl-NL"/>
           </a:p>
         </p:txBody>
       </p:sp>
@@ -19340,7 +19237,7 @@
                 <a:buNone/>
               </a:pPr>
               <a:r>
-                <a:rPr lang="nl-NL" sz="3300" kern="1200" dirty="0"/>
+                <a:rPr lang="nl-NL" sz="3300" kern="1200"/>
                 <a:t>Product</a:t>
               </a:r>
             </a:p>
@@ -19474,7 +19371,7 @@
                 <a:buNone/>
               </a:pPr>
               <a:r>
-                <a:rPr lang="nl-NL" sz="3300" kern="1200" dirty="0"/>
+                <a:rPr lang="nl-NL" sz="3300" kern="1200"/>
                 <a:t>Gebruiker</a:t>
               </a:r>
             </a:p>
@@ -19608,7 +19505,7 @@
                 <a:buNone/>
               </a:pPr>
               <a:r>
-                <a:rPr lang="nl-NL" sz="3300" kern="1200" dirty="0"/>
+                <a:rPr lang="nl-NL" sz="3300" kern="1200"/>
                 <a:t>Reviews</a:t>
               </a:r>
             </a:p>
@@ -19644,7 +19541,7 @@
           <a:lstStyle/>
           <a:p>
             <a:r>
-              <a:rPr lang="nl-NL" sz="2800" dirty="0">
+              <a:rPr lang="nl-NL" sz="2800">
                 <a:solidFill>
                   <a:schemeClr val="bg1"/>
                 </a:solidFill>
@@ -19667,7 +19564,7 @@
 </p:sld>
 </file>
 
-<file path=ppt/slides/slide6.xml><?xml version="1.0" encoding="utf-8"?>
+<file path=ppt/slides/slide5.xml><?xml version="1.0" encoding="utf-8"?>
 <p:sld xmlns:a="http://schemas.openxmlformats.org/drawingml/2006/main" xmlns:r="http://schemas.openxmlformats.org/officeDocument/2006/relationships" xmlns:p="http://schemas.openxmlformats.org/presentationml/2006/main">
   <p:cSld>
     <p:spTree>
@@ -19706,7 +19603,7 @@
           <a:lstStyle/>
           <a:p>
             <a:r>
-              <a:rPr lang="nl-NL" dirty="0"/>
+              <a:rPr lang="nl-NL"/>
               <a:t>Context – Waar implementeerbaar?</a:t>
             </a:r>
           </a:p>
@@ -19734,7 +19631,7 @@
           <a:lstStyle/>
           <a:p>
             <a:r>
-              <a:rPr lang="nl-NL" dirty="0"/>
+              <a:rPr lang="nl-NL"/>
               <a:t>Te klein</a:t>
             </a:r>
           </a:p>
@@ -19867,7 +19764,7 @@
                 <a:buNone/>
               </a:pPr>
               <a:r>
-                <a:rPr lang="nl-NL" sz="3300" kern="1200" dirty="0"/>
+                <a:rPr lang="nl-NL" sz="3300" kern="1200"/>
                 <a:t>Front-end</a:t>
               </a:r>
             </a:p>
@@ -20001,7 +19898,7 @@
                 <a:buNone/>
               </a:pPr>
               <a:r>
-                <a:rPr lang="nl-NL" sz="3300" kern="1200" dirty="0"/>
+                <a:rPr lang="nl-NL" sz="3300" kern="1200"/>
                 <a:t>Service</a:t>
               </a:r>
             </a:p>
@@ -20135,7 +20032,7 @@
                 <a:buNone/>
               </a:pPr>
               <a:r>
-                <a:rPr lang="nl-NL" sz="3300" kern="1200" dirty="0"/>
+                <a:rPr lang="nl-NL" sz="3300" kern="1200"/>
                 <a:t>Database</a:t>
               </a:r>
             </a:p>
@@ -20185,7 +20082,7 @@
 </p:sld>
 </file>
 
-<file path=ppt/slides/slide7.xml><?xml version="1.0" encoding="utf-8"?>
+<file path=ppt/slides/slide6.xml><?xml version="1.0" encoding="utf-8"?>
 <p:sld xmlns:a="http://schemas.openxmlformats.org/drawingml/2006/main" xmlns:r="http://schemas.openxmlformats.org/officeDocument/2006/relationships" xmlns:p="http://schemas.openxmlformats.org/presentationml/2006/main">
   <p:cSld>
     <p:spTree>
@@ -20224,7 +20121,7 @@
           <a:lstStyle/>
           <a:p>
             <a:r>
-              <a:rPr lang="nl-NL" dirty="0"/>
+              <a:rPr lang="nl-NL"/>
               <a:t>Context – Waar implementeerbaar?</a:t>
             </a:r>
           </a:p>
@@ -20357,7 +20254,7 @@
                 <a:buNone/>
               </a:pPr>
               <a:r>
-                <a:rPr lang="nl-NL" sz="3300" kern="1200" dirty="0"/>
+                <a:rPr lang="nl-NL" sz="3300" kern="1200"/>
                 <a:t>Front-end</a:t>
               </a:r>
             </a:p>
@@ -20491,7 +20388,7 @@
                 <a:buNone/>
               </a:pPr>
               <a:r>
-                <a:rPr lang="nl-NL" sz="3300" kern="1200" dirty="0"/>
+                <a:rPr lang="nl-NL" sz="3300" kern="1200"/>
                 <a:t>Service</a:t>
               </a:r>
             </a:p>
@@ -20625,7 +20522,7 @@
                 <a:buNone/>
               </a:pPr>
               <a:r>
-                <a:rPr lang="nl-NL" sz="3300" kern="1200" dirty="0"/>
+                <a:rPr lang="nl-NL" sz="3300" kern="1200"/>
                 <a:t>Service</a:t>
               </a:r>
             </a:p>
@@ -20759,7 +20656,7 @@
                 <a:buNone/>
               </a:pPr>
               <a:r>
-                <a:rPr lang="nl-NL" sz="3300" kern="1200" dirty="0"/>
+                <a:rPr lang="nl-NL" sz="3300" kern="1200"/>
                 <a:t>Database</a:t>
               </a:r>
             </a:p>
@@ -20893,7 +20790,7 @@
                 <a:buNone/>
               </a:pPr>
               <a:r>
-                <a:rPr lang="nl-NL" sz="3300" kern="1200" dirty="0"/>
+                <a:rPr lang="nl-NL" sz="3300" kern="1200"/>
                 <a:t>Database</a:t>
               </a:r>
             </a:p>
@@ -20957,7 +20854,7 @@
           <a:lstStyle/>
           <a:p>
             <a:r>
-              <a:rPr lang="nl-NL" dirty="0"/>
+              <a:rPr lang="nl-NL"/>
               <a:t>Mogelijk, maar klein</a:t>
             </a:r>
           </a:p>
@@ -20976,7 +20873,7 @@
 </p:sld>
 </file>
 
-<file path=ppt/slides/slide8.xml><?xml version="1.0" encoding="utf-8"?>
+<file path=ppt/slides/slide7.xml><?xml version="1.0" encoding="utf-8"?>
 <p:sld xmlns:a="http://schemas.openxmlformats.org/drawingml/2006/main" xmlns:r="http://schemas.openxmlformats.org/officeDocument/2006/relationships" xmlns:p="http://schemas.openxmlformats.org/presentationml/2006/main">
   <p:cSld>
     <p:spTree>
@@ -21015,7 +20912,7 @@
           <a:lstStyle/>
           <a:p>
             <a:r>
-              <a:rPr lang="nl-NL" dirty="0"/>
+              <a:rPr lang="nl-NL"/>
               <a:t>Context – Waar implementeerbaar?</a:t>
             </a:r>
           </a:p>
@@ -21148,7 +21045,7 @@
                 <a:buNone/>
               </a:pPr>
               <a:r>
-                <a:rPr lang="nl-NL" sz="3300" kern="1200" dirty="0"/>
+                <a:rPr lang="nl-NL" sz="3300" kern="1200"/>
                 <a:t>Front-end</a:t>
               </a:r>
             </a:p>
@@ -21282,7 +21179,7 @@
                 <a:buNone/>
               </a:pPr>
               <a:r>
-                <a:rPr lang="nl-NL" sz="3300" kern="1200" dirty="0"/>
+                <a:rPr lang="nl-NL" sz="3300" kern="1200"/>
                 <a:t>Service</a:t>
               </a:r>
             </a:p>
@@ -21416,7 +21313,7 @@
                 <a:buNone/>
               </a:pPr>
               <a:r>
-                <a:rPr lang="nl-NL" sz="3300" kern="1200" dirty="0"/>
+                <a:rPr lang="nl-NL" sz="3300" kern="1200"/>
                 <a:t>Database</a:t>
               </a:r>
             </a:p>
@@ -21550,7 +21447,7 @@
                 <a:buNone/>
               </a:pPr>
               <a:r>
-                <a:rPr lang="nl-NL" sz="3300" kern="1200" dirty="0"/>
+                <a:rPr lang="nl-NL" sz="3300" kern="1200"/>
                 <a:t>Service</a:t>
               </a:r>
             </a:p>
@@ -21684,7 +21581,7 @@
                 <a:buNone/>
               </a:pPr>
               <a:r>
-                <a:rPr lang="nl-NL" sz="3300" kern="1200" dirty="0"/>
+                <a:rPr lang="nl-NL" sz="3300" kern="1200"/>
                 <a:t>Service</a:t>
               </a:r>
             </a:p>
@@ -21818,7 +21715,7 @@
                 <a:buNone/>
               </a:pPr>
               <a:r>
-                <a:rPr lang="nl-NL" sz="3300" kern="1200" dirty="0"/>
+                <a:rPr lang="nl-NL" sz="3300" kern="1200"/>
                 <a:t>Service</a:t>
               </a:r>
             </a:p>
@@ -21952,7 +21849,7 @@
                 <a:buNone/>
               </a:pPr>
               <a:r>
-                <a:rPr lang="nl-NL" sz="3300" kern="1200" dirty="0"/>
+                <a:rPr lang="nl-NL" sz="3300" kern="1200"/>
                 <a:t>Database</a:t>
               </a:r>
             </a:p>
@@ -22086,7 +21983,7 @@
                 <a:buNone/>
               </a:pPr>
               <a:r>
-                <a:rPr lang="nl-NL" sz="3300" kern="1200" dirty="0"/>
+                <a:rPr lang="nl-NL" sz="3300" kern="1200"/>
                 <a:t>Database</a:t>
               </a:r>
             </a:p>
@@ -22220,7 +22117,7 @@
                 <a:buNone/>
               </a:pPr>
               <a:r>
-                <a:rPr lang="nl-NL" sz="3300" kern="1200" dirty="0"/>
+                <a:rPr lang="nl-NL" sz="3300" kern="1200"/>
                 <a:t>Database</a:t>
               </a:r>
             </a:p>
@@ -22254,7 +22151,7 @@
           <a:lstStyle/>
           <a:p>
             <a:r>
-              <a:rPr lang="nl-NL" dirty="0"/>
+              <a:rPr lang="nl-NL"/>
               <a:t>Prima</a:t>
             </a:r>
           </a:p>
@@ -22320,7 +22217,7 @@
 </p:sld>
 </file>
 
-<file path=ppt/slides/slide9.xml><?xml version="1.0" encoding="utf-8"?>
+<file path=ppt/slides/slide8.xml><?xml version="1.0" encoding="utf-8"?>
 <p:sld xmlns:a="http://schemas.openxmlformats.org/drawingml/2006/main" xmlns:r="http://schemas.openxmlformats.org/officeDocument/2006/relationships" xmlns:p="http://schemas.openxmlformats.org/presentationml/2006/main">
   <p:cSld>
     <p:spTree>
@@ -22359,7 +22256,7 @@
           <a:lstStyle/>
           <a:p>
             <a:r>
-              <a:rPr lang="nl-NL" dirty="0"/>
+              <a:rPr lang="nl-NL"/>
               <a:t>Context – Waar implementeerbaar?</a:t>
             </a:r>
           </a:p>
@@ -22492,7 +22389,7 @@
                 <a:buNone/>
               </a:pPr>
               <a:r>
-                <a:rPr lang="nl-NL" sz="3300" kern="1200" dirty="0"/>
+                <a:rPr lang="nl-NL" sz="3300" kern="1200"/>
                 <a:t>Front-end</a:t>
               </a:r>
             </a:p>
@@ -22626,7 +22523,7 @@
                 <a:buNone/>
               </a:pPr>
               <a:r>
-                <a:rPr lang="nl-NL" sz="3300" kern="1200" dirty="0"/>
+                <a:rPr lang="nl-NL" sz="3300" kern="1200"/>
                 <a:t>Service</a:t>
               </a:r>
             </a:p>
@@ -22760,7 +22657,7 @@
                 <a:buNone/>
               </a:pPr>
               <a:r>
-                <a:rPr lang="nl-NL" sz="3300" kern="1200" dirty="0"/>
+                <a:rPr lang="nl-NL" sz="3300" kern="1200"/>
                 <a:t>Service</a:t>
               </a:r>
             </a:p>
@@ -22894,7 +22791,7 @@
                 <a:buNone/>
               </a:pPr>
               <a:r>
-                <a:rPr lang="nl-NL" sz="3300" kern="1200" dirty="0"/>
+                <a:rPr lang="nl-NL" sz="3300" kern="1200"/>
                 <a:t>Service</a:t>
               </a:r>
             </a:p>
@@ -23028,7 +22925,7 @@
                 <a:buNone/>
               </a:pPr>
               <a:r>
-                <a:rPr lang="nl-NL" sz="3300" kern="1200" dirty="0"/>
+                <a:rPr lang="nl-NL" sz="3300" kern="1200"/>
                 <a:t>Database</a:t>
               </a:r>
             </a:p>
@@ -23162,7 +23059,7 @@
                 <a:buNone/>
               </a:pPr>
               <a:r>
-                <a:rPr lang="nl-NL" sz="3300" kern="1200" dirty="0"/>
+                <a:rPr lang="nl-NL" sz="3300" kern="1200"/>
                 <a:t>Database</a:t>
               </a:r>
             </a:p>
@@ -23296,7 +23193,7 @@
                 <a:buNone/>
               </a:pPr>
               <a:r>
-                <a:rPr lang="nl-NL" sz="3300" kern="1200" dirty="0"/>
+                <a:rPr lang="nl-NL" sz="3300" kern="1200"/>
                 <a:t>Database</a:t>
               </a:r>
             </a:p>
@@ -23430,7 +23327,7 @@
                 <a:buNone/>
               </a:pPr>
               <a:r>
-                <a:rPr lang="nl-NL" sz="3300" kern="1200" dirty="0"/>
+                <a:rPr lang="nl-NL" sz="3300" kern="1200"/>
                 <a:t>Front-end</a:t>
               </a:r>
             </a:p>
@@ -23564,7 +23461,7 @@
                 <a:buNone/>
               </a:pPr>
               <a:r>
-                <a:rPr lang="nl-NL" sz="3300" kern="1200" dirty="0"/>
+                <a:rPr lang="nl-NL" sz="3300" kern="1200"/>
                 <a:t>Front-end</a:t>
               </a:r>
             </a:p>
@@ -23698,7 +23595,7 @@
                 <a:buNone/>
               </a:pPr>
               <a:r>
-                <a:rPr lang="nl-NL" sz="3300" kern="1200" dirty="0"/>
+                <a:rPr lang="nl-NL" sz="3300" kern="1200"/>
                 <a:t>Gateway</a:t>
               </a:r>
             </a:p>
@@ -23832,7 +23729,7 @@
                 <a:buNone/>
               </a:pPr>
               <a:r>
-                <a:rPr lang="nl-NL" sz="3300" kern="1200" dirty="0"/>
+                <a:rPr lang="nl-NL" sz="3300" kern="1200"/>
                 <a:t>Gateway</a:t>
               </a:r>
             </a:p>
@@ -23866,7 +23763,7 @@
           <a:lstStyle/>
           <a:p>
             <a:r>
-              <a:rPr lang="nl-NL" dirty="0"/>
+              <a:rPr lang="nl-NL"/>
               <a:t>Prima</a:t>
             </a:r>
           </a:p>
@@ -24046,7 +23943,7 @@
                 <a:buNone/>
               </a:pPr>
               <a:r>
-                <a:rPr lang="nl-NL" sz="3300" kern="1200" dirty="0"/>
+                <a:rPr lang="nl-NL" sz="3300" kern="1200"/>
                 <a:t>Service</a:t>
               </a:r>
             </a:p>
@@ -24180,7 +24077,7 @@
                 <a:buNone/>
               </a:pPr>
               <a:r>
-                <a:rPr lang="nl-NL" sz="3300" kern="1200" dirty="0"/>
+                <a:rPr lang="nl-NL" sz="3300" kern="1200"/>
                 <a:t>Database</a:t>
               </a:r>
             </a:p>
@@ -24191,6 +24088,163 @@
     <p:extLst>
       <p:ext uri="{BB962C8B-B14F-4D97-AF65-F5344CB8AC3E}">
         <p14:creationId xmlns:p14="http://schemas.microsoft.com/office/powerpoint/2010/main" val="2335521938"/>
+      </p:ext>
+    </p:extLst>
+  </p:cSld>
+  <p:clrMapOvr>
+    <a:masterClrMapping/>
+  </p:clrMapOvr>
+</p:sld>
+</file>
+
+<file path=ppt/slides/slide9.xml><?xml version="1.0" encoding="utf-8"?>
+<p:sld xmlns:a="http://schemas.openxmlformats.org/drawingml/2006/main" xmlns:r="http://schemas.openxmlformats.org/officeDocument/2006/relationships" xmlns:p="http://schemas.openxmlformats.org/presentationml/2006/main">
+  <p:cSld>
+    <p:spTree>
+      <p:nvGrpSpPr>
+        <p:cNvPr id="1" name=""/>
+        <p:cNvGrpSpPr/>
+        <p:nvPr/>
+      </p:nvGrpSpPr>
+      <p:grpSpPr>
+        <a:xfrm>
+          <a:off x="0" y="0"/>
+          <a:ext cx="0" cy="0"/>
+          <a:chOff x="0" y="0"/>
+          <a:chExt cx="0" cy="0"/>
+        </a:xfrm>
+      </p:grpSpPr>
+      <p:sp>
+        <p:nvSpPr>
+          <p:cNvPr id="2" name="Title 1">
+            <a:extLst>
+              <a:ext uri="{FF2B5EF4-FFF2-40B4-BE49-F238E27FC236}">
+                <a16:creationId xmlns:a16="http://schemas.microsoft.com/office/drawing/2014/main" id="{CE084FC2-49FE-464E-888E-9CDE26AC7D7C}"/>
+              </a:ext>
+            </a:extLst>
+          </p:cNvPr>
+          <p:cNvSpPr>
+            <a:spLocks noGrp="1"/>
+          </p:cNvSpPr>
+          <p:nvPr>
+            <p:ph type="title"/>
+          </p:nvPr>
+        </p:nvSpPr>
+        <p:spPr/>
+        <p:txBody>
+          <a:bodyPr/>
+          <a:lstStyle/>
+          <a:p>
+            <a:r>
+              <a:rPr lang="nl-NL"/>
+              <a:t>Doel </a:t>
+            </a:r>
+          </a:p>
+        </p:txBody>
+      </p:sp>
+      <p:sp>
+        <p:nvSpPr>
+          <p:cNvPr id="3" name="Content Placeholder 2">
+            <a:extLst>
+              <a:ext uri="{FF2B5EF4-FFF2-40B4-BE49-F238E27FC236}">
+                <a16:creationId xmlns:a16="http://schemas.microsoft.com/office/drawing/2014/main" id="{3D58F1B3-BFAB-4880-8092-3C545EA9B087}"/>
+              </a:ext>
+            </a:extLst>
+          </p:cNvPr>
+          <p:cNvSpPr>
+            <a:spLocks noGrp="1"/>
+          </p:cNvSpPr>
+          <p:nvPr>
+            <p:ph idx="1"/>
+          </p:nvPr>
+        </p:nvSpPr>
+        <p:spPr/>
+        <p:txBody>
+          <a:bodyPr>
+            <a:normAutofit lnSpcReduction="10000"/>
+          </a:bodyPr>
+          <a:lstStyle/>
+          <a:p>
+            <a:r>
+              <a:rPr lang="nl-NL"/>
+              <a:t>Verschillen in kwaliteiten applicatie </a:t>
+            </a:r>
+          </a:p>
+          <a:p>
+            <a:endParaRPr lang="nl-NL" sz="2400"/>
+          </a:p>
+          <a:p>
+            <a:pPr marL="0" indent="0" algn="ctr">
+              <a:buNone/>
+            </a:pPr>
+            <a:r>
+              <a:rPr lang="nl-NL" sz="2400"/>
+              <a:t>‘Op welke </a:t>
+            </a:r>
+            <a:r>
+              <a:rPr lang="nl-NL" sz="2400" err="1"/>
+              <a:t>metrieken</a:t>
+            </a:r>
+            <a:r>
+              <a:rPr lang="nl-NL" sz="2400"/>
+              <a:t> heeft het omzetten van een monolithische applicatie naar een applicatie met microservices impact?’</a:t>
+            </a:r>
+          </a:p>
+          <a:p>
+            <a:endParaRPr lang="nl-NL" sz="2400"/>
+          </a:p>
+          <a:p>
+            <a:r>
+              <a:rPr lang="nl-NL"/>
+              <a:t>Literatuurstudie Microservices</a:t>
+            </a:r>
+          </a:p>
+          <a:p>
+            <a:r>
+              <a:rPr lang="nl-NL"/>
+              <a:t>Literatuurstudie </a:t>
+            </a:r>
+            <a:r>
+              <a:rPr lang="nl-NL" err="1"/>
+              <a:t>Metrieken</a:t>
+            </a:r>
+            <a:endParaRPr lang="nl-NL"/>
+          </a:p>
+          <a:p>
+            <a:r>
+              <a:rPr lang="nl-NL"/>
+              <a:t>Ontwerpen applicatie</a:t>
+            </a:r>
+          </a:p>
+          <a:p>
+            <a:r>
+              <a:rPr lang="nl-NL"/>
+              <a:t>Implementeren applicatie</a:t>
+            </a:r>
+          </a:p>
+          <a:p>
+            <a:r>
+              <a:rPr lang="nl-NL"/>
+              <a:t>Vergelijking </a:t>
+            </a:r>
+            <a:r>
+              <a:rPr lang="nl-NL" err="1"/>
+              <a:t>metrieken</a:t>
+            </a:r>
+            <a:endParaRPr lang="nl-NL"/>
+          </a:p>
+          <a:p>
+            <a:pPr marL="0" indent="0" algn="ctr">
+              <a:buNone/>
+            </a:pPr>
+            <a:endParaRPr lang="nl-NL" sz="2400"/>
+          </a:p>
+        </p:txBody>
+      </p:sp>
+    </p:spTree>
+    <p:extLst>
+      <p:ext uri="{BB962C8B-B14F-4D97-AF65-F5344CB8AC3E}">
+        <p14:creationId xmlns:p14="http://schemas.microsoft.com/office/powerpoint/2010/main" val="3254915564"/>
       </p:ext>
     </p:extLst>
   </p:cSld>
@@ -24772,9 +24826,12 @@
 </file>
 
 <file path=customXml/item1.xml><?xml version="1.0" encoding="utf-8"?>
-<p:properties xmlns:p="http://schemas.microsoft.com/office/2006/metadata/properties" xmlns:xsi="http://www.w3.org/2001/XMLSchema-instance" xmlns:pc="http://schemas.microsoft.com/office/infopath/2007/PartnerControls">
-  <documentManagement/>
-</p:properties>
+<?mso-contentType ?>
+<FormTemplates xmlns="http://schemas.microsoft.com/sharepoint/v3/contenttype/forms">
+  <Display>DocumentLibraryForm</Display>
+  <Edit>DocumentLibraryForm</Edit>
+  <New>DocumentLibraryForm</New>
+</FormTemplates>
 </file>
 
 <file path=customXml/item2.xml><?xml version="1.0" encoding="utf-8"?>
@@ -24963,27 +25020,15 @@
 </file>
 
 <file path=customXml/item3.xml><?xml version="1.0" encoding="utf-8"?>
-<?mso-contentType ?>
-<FormTemplates xmlns="http://schemas.microsoft.com/sharepoint/v3/contenttype/forms">
-  <Display>DocumentLibraryForm</Display>
-  <Edit>DocumentLibraryForm</Edit>
-  <New>DocumentLibraryForm</New>
-</FormTemplates>
+<p:properties xmlns:p="http://schemas.microsoft.com/office/2006/metadata/properties" xmlns:xsi="http://www.w3.org/2001/XMLSchema-instance" xmlns:pc="http://schemas.microsoft.com/office/infopath/2007/PartnerControls">
+  <documentManagement/>
+</p:properties>
 </file>
 
 <file path=customXml/itemProps1.xml><?xml version="1.0" encoding="utf-8"?>
-<ds:datastoreItem xmlns:ds="http://schemas.openxmlformats.org/officeDocument/2006/customXml" ds:itemID="{18CA8EEC-809C-4AC7-8412-63C4374FCED8}">
+<ds:datastoreItem xmlns:ds="http://schemas.openxmlformats.org/officeDocument/2006/customXml" ds:itemID="{B9AFFF38-D43A-4DE0-9B57-B645EF39F91A}">
   <ds:schemaRefs>
-    <ds:schemaRef ds:uri="http://purl.org/dc/elements/1.1/"/>
-    <ds:schemaRef ds:uri="http://schemas.microsoft.com/office/2006/documentManagement/types"/>
-    <ds:schemaRef ds:uri="0c39bc84-c4f4-4c10-9ef8-6d1e30c54cfc"/>
-    <ds:schemaRef ds:uri="http://purl.org/dc/terms/"/>
-    <ds:schemaRef ds:uri="http://schemas.openxmlformats.org/package/2006/metadata/core-properties"/>
-    <ds:schemaRef ds:uri="45ece1a7-ca04-4c09-8769-89d1c85cfc4b"/>
-    <ds:schemaRef ds:uri="http://purl.org/dc/dcmitype/"/>
-    <ds:schemaRef ds:uri="http://schemas.microsoft.com/office/infopath/2007/PartnerControls"/>
-    <ds:schemaRef ds:uri="http://schemas.microsoft.com/office/2006/metadata/properties"/>
-    <ds:schemaRef ds:uri="http://www.w3.org/XML/1998/namespace"/>
+    <ds:schemaRef ds:uri="http://schemas.microsoft.com/sharepoint/v3/contenttype/forms"/>
   </ds:schemaRefs>
 </ds:datastoreItem>
 </file>
@@ -25008,9 +25053,10 @@
 </file>
 
 <file path=customXml/itemProps3.xml><?xml version="1.0" encoding="utf-8"?>
-<ds:datastoreItem xmlns:ds="http://schemas.openxmlformats.org/officeDocument/2006/customXml" ds:itemID="{B9AFFF38-D43A-4DE0-9B57-B645EF39F91A}">
+<ds:datastoreItem xmlns:ds="http://schemas.openxmlformats.org/officeDocument/2006/customXml" ds:itemID="{18CA8EEC-809C-4AC7-8412-63C4374FCED8}">
   <ds:schemaRefs>
-    <ds:schemaRef ds:uri="http://schemas.microsoft.com/sharepoint/v3/contenttype/forms"/>
+    <ds:schemaRef ds:uri="http://schemas.microsoft.com/office/2006/metadata/properties"/>
+    <ds:schemaRef ds:uri="http://schemas.microsoft.com/office/infopath/2007/PartnerControls"/>
   </ds:schemaRefs>
 </ds:datastoreItem>
 </file>